--- a/figures/conceptual/conceptual.pptx
+++ b/figures/conceptual/conceptual.pptx
@@ -5,7 +5,7 @@
     <p:sldMasterId id="2147483648" r:id="rId1"/>
   </p:sldMasterIdLst>
   <p:notesMasterIdLst>
-    <p:notesMasterId r:id="rId11"/>
+    <p:notesMasterId r:id="rId9"/>
   </p:notesMasterIdLst>
   <p:sldIdLst>
     <p:sldId id="260" r:id="rId2"/>
@@ -15,8 +15,6 @@
     <p:sldId id="263" r:id="rId6"/>
     <p:sldId id="261" r:id="rId7"/>
     <p:sldId id="264" r:id="rId8"/>
-    <p:sldId id="265" r:id="rId9"/>
-    <p:sldId id="266" r:id="rId10"/>
   </p:sldIdLst>
   <p:sldSz cx="12192000" cy="6858000"/>
   <p:notesSz cx="6858000" cy="9144000"/>
@@ -205,7 +203,7 @@
           <a:p>
             <a:fld id="{5F0BAA97-B2B8-EA40-A7C9-10EAB2FFF9B3}" type="datetimeFigureOut">
               <a:rPr lang="en-US" smtClean="0"/>
-              <a:t>9/18/25</a:t>
+              <a:t>10/2/25</a:t>
             </a:fld>
             <a:endParaRPr lang="en-US"/>
           </a:p>
@@ -472,6 +470,90 @@
 </p:notesMaster>
 </file>
 
+<file path=ppt/notesSlides/notesSlide1.xml><?xml version="1.0" encoding="utf-8"?>
+<p:notes xmlns:a="http://schemas.openxmlformats.org/drawingml/2006/main" xmlns:r="http://schemas.openxmlformats.org/officeDocument/2006/relationships" xmlns:p="http://schemas.openxmlformats.org/presentationml/2006/main">
+  <p:cSld>
+    <p:spTree>
+      <p:nvGrpSpPr>
+        <p:cNvPr id="1" name=""/>
+        <p:cNvGrpSpPr/>
+        <p:nvPr/>
+      </p:nvGrpSpPr>
+      <p:grpSpPr>
+        <a:xfrm>
+          <a:off x="0" y="0"/>
+          <a:ext cx="0" cy="0"/>
+          <a:chOff x="0" y="0"/>
+          <a:chExt cx="0" cy="0"/>
+        </a:xfrm>
+      </p:grpSpPr>
+      <p:sp>
+        <p:nvSpPr>
+          <p:cNvPr id="2" name="Slide Image Placeholder 1"/>
+          <p:cNvSpPr>
+            <a:spLocks noGrp="1" noRot="1" noChangeAspect="1"/>
+          </p:cNvSpPr>
+          <p:nvPr>
+            <p:ph type="sldImg"/>
+          </p:nvPr>
+        </p:nvSpPr>
+        <p:spPr/>
+      </p:sp>
+      <p:sp>
+        <p:nvSpPr>
+          <p:cNvPr id="3" name="Notes Placeholder 2"/>
+          <p:cNvSpPr>
+            <a:spLocks noGrp="1"/>
+          </p:cNvSpPr>
+          <p:nvPr>
+            <p:ph type="body" idx="1"/>
+          </p:nvPr>
+        </p:nvSpPr>
+        <p:spPr/>
+        <p:txBody>
+          <a:bodyPr/>
+          <a:lstStyle/>
+          <a:p>
+            <a:endParaRPr lang="en-US" dirty="0"/>
+          </a:p>
+        </p:txBody>
+      </p:sp>
+      <p:sp>
+        <p:nvSpPr>
+          <p:cNvPr id="4" name="Slide Number Placeholder 3"/>
+          <p:cNvSpPr>
+            <a:spLocks noGrp="1"/>
+          </p:cNvSpPr>
+          <p:nvPr>
+            <p:ph type="sldNum" sz="quarter" idx="5"/>
+          </p:nvPr>
+        </p:nvSpPr>
+        <p:spPr/>
+        <p:txBody>
+          <a:bodyPr/>
+          <a:lstStyle/>
+          <a:p>
+            <a:fld id="{E95791F3-F2F4-604C-9893-A30F4EB37339}" type="slidenum">
+              <a:rPr lang="en-US" smtClean="0"/>
+              <a:t>5</a:t>
+            </a:fld>
+            <a:endParaRPr lang="en-US"/>
+          </a:p>
+        </p:txBody>
+      </p:sp>
+    </p:spTree>
+    <p:extLst>
+      <p:ext uri="{BB962C8B-B14F-4D97-AF65-F5344CB8AC3E}">
+        <p14:creationId xmlns:p14="http://schemas.microsoft.com/office/powerpoint/2010/main" val="2549972556"/>
+      </p:ext>
+    </p:extLst>
+  </p:cSld>
+  <p:clrMapOvr>
+    <a:masterClrMapping/>
+  </p:clrMapOvr>
+</p:notes>
+</file>
+
 <file path=ppt/slideLayouts/slideLayout1.xml><?xml version="1.0" encoding="utf-8"?>
 <p:sldLayout xmlns:a="http://schemas.openxmlformats.org/drawingml/2006/main" xmlns:r="http://schemas.openxmlformats.org/officeDocument/2006/relationships" xmlns:p="http://schemas.openxmlformats.org/presentationml/2006/main" type="title" preserve="1">
   <p:cSld name="Title Slide">
@@ -619,7 +701,7 @@
           <a:p>
             <a:fld id="{DF4DC901-9D7D-5040-9AC4-ED1AFACCCDE5}" type="datetimeFigureOut">
               <a:rPr lang="en-US" smtClean="0"/>
-              <a:t>9/18/25</a:t>
+              <a:t>10/2/25</a:t>
             </a:fld>
             <a:endParaRPr lang="en-US"/>
           </a:p>
@@ -817,7 +899,7 @@
           <a:p>
             <a:fld id="{DF4DC901-9D7D-5040-9AC4-ED1AFACCCDE5}" type="datetimeFigureOut">
               <a:rPr lang="en-US" smtClean="0"/>
-              <a:t>9/18/25</a:t>
+              <a:t>10/2/25</a:t>
             </a:fld>
             <a:endParaRPr lang="en-US"/>
           </a:p>
@@ -1025,7 +1107,7 @@
           <a:p>
             <a:fld id="{DF4DC901-9D7D-5040-9AC4-ED1AFACCCDE5}" type="datetimeFigureOut">
               <a:rPr lang="en-US" smtClean="0"/>
-              <a:t>9/18/25</a:t>
+              <a:t>10/2/25</a:t>
             </a:fld>
             <a:endParaRPr lang="en-US"/>
           </a:p>
@@ -1223,7 +1305,7 @@
           <a:p>
             <a:fld id="{DF4DC901-9D7D-5040-9AC4-ED1AFACCCDE5}" type="datetimeFigureOut">
               <a:rPr lang="en-US" smtClean="0"/>
-              <a:t>9/18/25</a:t>
+              <a:t>10/2/25</a:t>
             </a:fld>
             <a:endParaRPr lang="en-US"/>
           </a:p>
@@ -1498,7 +1580,7 @@
           <a:p>
             <a:fld id="{DF4DC901-9D7D-5040-9AC4-ED1AFACCCDE5}" type="datetimeFigureOut">
               <a:rPr lang="en-US" smtClean="0"/>
-              <a:t>9/18/25</a:t>
+              <a:t>10/2/25</a:t>
             </a:fld>
             <a:endParaRPr lang="en-US"/>
           </a:p>
@@ -1763,7 +1845,7 @@
           <a:p>
             <a:fld id="{DF4DC901-9D7D-5040-9AC4-ED1AFACCCDE5}" type="datetimeFigureOut">
               <a:rPr lang="en-US" smtClean="0"/>
-              <a:t>9/18/25</a:t>
+              <a:t>10/2/25</a:t>
             </a:fld>
             <a:endParaRPr lang="en-US"/>
           </a:p>
@@ -2175,7 +2257,7 @@
           <a:p>
             <a:fld id="{DF4DC901-9D7D-5040-9AC4-ED1AFACCCDE5}" type="datetimeFigureOut">
               <a:rPr lang="en-US" smtClean="0"/>
-              <a:t>9/18/25</a:t>
+              <a:t>10/2/25</a:t>
             </a:fld>
             <a:endParaRPr lang="en-US"/>
           </a:p>
@@ -2316,7 +2398,7 @@
           <a:p>
             <a:fld id="{DF4DC901-9D7D-5040-9AC4-ED1AFACCCDE5}" type="datetimeFigureOut">
               <a:rPr lang="en-US" smtClean="0"/>
-              <a:t>9/18/25</a:t>
+              <a:t>10/2/25</a:t>
             </a:fld>
             <a:endParaRPr lang="en-US"/>
           </a:p>
@@ -2429,7 +2511,7 @@
           <a:p>
             <a:fld id="{DF4DC901-9D7D-5040-9AC4-ED1AFACCCDE5}" type="datetimeFigureOut">
               <a:rPr lang="en-US" smtClean="0"/>
-              <a:t>9/18/25</a:t>
+              <a:t>10/2/25</a:t>
             </a:fld>
             <a:endParaRPr lang="en-US"/>
           </a:p>
@@ -2740,7 +2822,7 @@
           <a:p>
             <a:fld id="{DF4DC901-9D7D-5040-9AC4-ED1AFACCCDE5}" type="datetimeFigureOut">
               <a:rPr lang="en-US" smtClean="0"/>
-              <a:t>9/18/25</a:t>
+              <a:t>10/2/25</a:t>
             </a:fld>
             <a:endParaRPr lang="en-US"/>
           </a:p>
@@ -3028,7 +3110,7 @@
           <a:p>
             <a:fld id="{DF4DC901-9D7D-5040-9AC4-ED1AFACCCDE5}" type="datetimeFigureOut">
               <a:rPr lang="en-US" smtClean="0"/>
-              <a:t>9/18/25</a:t>
+              <a:t>10/2/25</a:t>
             </a:fld>
             <a:endParaRPr lang="en-US"/>
           </a:p>
@@ -3269,7 +3351,7 @@
           <a:p>
             <a:fld id="{DF4DC901-9D7D-5040-9AC4-ED1AFACCCDE5}" type="datetimeFigureOut">
               <a:rPr lang="en-US" smtClean="0"/>
-              <a:t>9/18/25</a:t>
+              <a:t>10/2/25</a:t>
             </a:fld>
             <a:endParaRPr lang="en-US"/>
           </a:p>
@@ -6672,7 +6754,6 @@
           </p:cNvPr>
           <p:cNvCxnSpPr>
             <a:cxnSpLocks/>
-            <a:endCxn id="17" idx="0"/>
           </p:cNvCxnSpPr>
           <p:nvPr/>
         </p:nvCxnSpPr>
@@ -6752,86 +6833,6 @@
       </p:cxnSp>
       <p:sp>
         <p:nvSpPr>
-          <p:cNvPr id="17" name="TextBox 16">
-            <a:extLst>
-              <a:ext uri="{FF2B5EF4-FFF2-40B4-BE49-F238E27FC236}">
-                <a16:creationId xmlns:a16="http://schemas.microsoft.com/office/drawing/2014/main" id="{F7D93BC4-9C42-F2BD-9CB4-D6213C960328}"/>
-              </a:ext>
-            </a:extLst>
-          </p:cNvPr>
-          <p:cNvSpPr txBox="1"/>
-          <p:nvPr/>
-        </p:nvSpPr>
-        <p:spPr>
-          <a:xfrm>
-            <a:off x="8996557" y="5501279"/>
-            <a:ext cx="545534" cy="461665"/>
-          </a:xfrm>
-          <a:prstGeom prst="rect">
-            <a:avLst/>
-          </a:prstGeom>
-          <a:noFill/>
-        </p:spPr>
-        <p:txBody>
-          <a:bodyPr wrap="square" rtlCol="0">
-            <a:spAutoFit/>
-          </a:bodyPr>
-          <a:lstStyle/>
-          <a:p>
-            <a:r>
-              <a:rPr lang="en-US" sz="2400" dirty="0"/>
-              <a:t>E</a:t>
-            </a:r>
-            <a:r>
-              <a:rPr lang="en-US" sz="2400" baseline="-25000" dirty="0"/>
-              <a:t>rb</a:t>
-            </a:r>
-            <a:endParaRPr lang="en-US" sz="2400" dirty="0"/>
-          </a:p>
-        </p:txBody>
-      </p:sp>
-      <p:sp>
-        <p:nvSpPr>
-          <p:cNvPr id="21" name="TextBox 20">
-            <a:extLst>
-              <a:ext uri="{FF2B5EF4-FFF2-40B4-BE49-F238E27FC236}">
-                <a16:creationId xmlns:a16="http://schemas.microsoft.com/office/drawing/2014/main" id="{6251BF29-4926-67C9-E8E6-01A0796A119E}"/>
-              </a:ext>
-            </a:extLst>
-          </p:cNvPr>
-          <p:cNvSpPr txBox="1"/>
-          <p:nvPr/>
-        </p:nvSpPr>
-        <p:spPr>
-          <a:xfrm>
-            <a:off x="9955327" y="5476633"/>
-            <a:ext cx="786829" cy="461665"/>
-          </a:xfrm>
-          <a:prstGeom prst="rect">
-            <a:avLst/>
-          </a:prstGeom>
-          <a:noFill/>
-        </p:spPr>
-        <p:txBody>
-          <a:bodyPr wrap="square" rtlCol="0">
-            <a:spAutoFit/>
-          </a:bodyPr>
-          <a:lstStyle/>
-          <a:p>
-            <a:r>
-              <a:rPr lang="en-US" sz="2400" dirty="0"/>
-              <a:t>E</a:t>
-            </a:r>
-            <a:r>
-              <a:rPr lang="en-US" sz="2400" baseline="-25000" dirty="0"/>
-              <a:t>c2b</a:t>
-            </a:r>
-            <a:endParaRPr lang="en-US" sz="2400" dirty="0"/>
-          </a:p>
-        </p:txBody>
-      </p:sp>
-      <p:sp>
-        <p:nvSpPr>
           <p:cNvPr id="10" name="TextBox 9">
             <a:extLst>
               <a:ext uri="{FF2B5EF4-FFF2-40B4-BE49-F238E27FC236}">
@@ -6933,6 +6934,296 @@
           </a:p>
         </p:txBody>
       </p:sp>
+      <mc:AlternateContent xmlns:mc="http://schemas.openxmlformats.org/markup-compatibility/2006">
+        <mc:Choice xmlns:a14="http://schemas.microsoft.com/office/drawing/2010/main" Requires="a14">
+          <p:sp>
+            <p:nvSpPr>
+              <p:cNvPr id="14" name="TextBox 13">
+                <a:extLst>
+                  <a:ext uri="{FF2B5EF4-FFF2-40B4-BE49-F238E27FC236}">
+                    <a16:creationId xmlns:a16="http://schemas.microsoft.com/office/drawing/2014/main" id="{5325BF19-61F1-5DFB-24D8-DD2F1153EE6D}"/>
+                  </a:ext>
+                </a:extLst>
+              </p:cNvPr>
+              <p:cNvSpPr txBox="1"/>
+              <p:nvPr/>
+            </p:nvSpPr>
+            <p:spPr>
+              <a:xfrm>
+                <a:off x="8978784" y="5601180"/>
+                <a:ext cx="545534" cy="438518"/>
+              </a:xfrm>
+              <a:prstGeom prst="rect">
+                <a:avLst/>
+              </a:prstGeom>
+              <a:noFill/>
+            </p:spPr>
+            <p:txBody>
+              <a:bodyPr wrap="square" rtlCol="0">
+                <a:spAutoFit/>
+              </a:bodyPr>
+              <a:lstStyle/>
+              <a:p>
+                <a14:m>
+                  <m:oMathPara xmlns:m="http://schemas.openxmlformats.org/officeDocument/2006/math">
+                    <m:oMathParaPr>
+                      <m:jc m:val="centerGroup"/>
+                    </m:oMathParaPr>
+                    <m:oMath xmlns:m="http://schemas.openxmlformats.org/officeDocument/2006/math">
+                      <m:sSub>
+                        <m:sSubPr>
+                          <m:ctrlPr>
+                            <a:rPr lang="en-US" sz="2000" smtClean="0">
+                              <a:latin typeface="Cambria Math" panose="02040503050406030204" pitchFamily="18" charset="0"/>
+                            </a:rPr>
+                          </m:ctrlPr>
+                        </m:sSubPr>
+                        <m:e>
+                          <m:r>
+                            <m:rPr>
+                              <m:sty m:val="p"/>
+                            </m:rPr>
+                            <a:rPr lang="en-CA" sz="2000" b="0" i="0" smtClean="0">
+                              <a:latin typeface="Cambria Math" panose="02040503050406030204" pitchFamily="18" charset="0"/>
+                            </a:rPr>
+                            <m:t>E</m:t>
+                          </m:r>
+                        </m:e>
+                        <m:sub>
+                          <m:sSub>
+                            <m:sSubPr>
+                              <m:ctrlPr>
+                                <a:rPr lang="en-US" sz="2000" smtClean="0">
+                                  <a:latin typeface="Cambria Math" panose="02040503050406030204" pitchFamily="18" charset="0"/>
+                                </a:rPr>
+                              </m:ctrlPr>
+                            </m:sSubPr>
+                            <m:e>
+                              <m:r>
+                                <m:rPr>
+                                  <m:sty m:val="p"/>
+                                </m:rPr>
+                                <a:rPr lang="en-CA" sz="2000" b="0" i="0" smtClean="0">
+                                  <a:latin typeface="Cambria Math" panose="02040503050406030204" pitchFamily="18" charset="0"/>
+                                </a:rPr>
+                                <m:t>r</m:t>
+                              </m:r>
+                            </m:e>
+                            <m:sub>
+                              <m:r>
+                                <m:rPr>
+                                  <m:sty m:val="p"/>
+                                </m:rPr>
+                                <a:rPr lang="en-CA" sz="2000" b="0" i="0" smtClean="0">
+                                  <a:latin typeface="Cambria Math" panose="02040503050406030204" pitchFamily="18" charset="0"/>
+                                </a:rPr>
+                                <m:t>b</m:t>
+                              </m:r>
+                            </m:sub>
+                          </m:sSub>
+                        </m:sub>
+                      </m:sSub>
+                    </m:oMath>
+                  </m:oMathPara>
+                </a14:m>
+                <a:endParaRPr lang="en-US" sz="2000" dirty="0"/>
+              </a:p>
+            </p:txBody>
+          </p:sp>
+        </mc:Choice>
+        <mc:Fallback>
+          <p:sp>
+            <p:nvSpPr>
+              <p:cNvPr id="14" name="TextBox 13">
+                <a:extLst>
+                  <a:ext uri="{FF2B5EF4-FFF2-40B4-BE49-F238E27FC236}">
+                    <a16:creationId xmlns:a16="http://schemas.microsoft.com/office/drawing/2014/main" id="{5325BF19-61F1-5DFB-24D8-DD2F1153EE6D}"/>
+                  </a:ext>
+                </a:extLst>
+              </p:cNvPr>
+              <p:cNvSpPr txBox="1">
+                <a:spLocks noRot="1" noChangeAspect="1" noMove="1" noResize="1" noEditPoints="1" noAdjustHandles="1" noChangeArrowheads="1" noChangeShapeType="1" noTextEdit="1"/>
+              </p:cNvSpPr>
+              <p:nvPr/>
+            </p:nvSpPr>
+            <p:spPr>
+              <a:xfrm>
+                <a:off x="8978784" y="5601180"/>
+                <a:ext cx="545534" cy="438518"/>
+              </a:xfrm>
+              <a:prstGeom prst="rect">
+                <a:avLst/>
+              </a:prstGeom>
+              <a:blipFill>
+                <a:blip r:embed="rId14"/>
+                <a:stretch>
+                  <a:fillRect/>
+                </a:stretch>
+              </a:blipFill>
+            </p:spPr>
+            <p:txBody>
+              <a:bodyPr/>
+              <a:lstStyle/>
+              <a:p>
+                <a:r>
+                  <a:rPr lang="en-US">
+                    <a:noFill/>
+                  </a:rPr>
+                  <a:t> </a:t>
+                </a:r>
+              </a:p>
+            </p:txBody>
+          </p:sp>
+        </mc:Fallback>
+      </mc:AlternateContent>
+      <mc:AlternateContent xmlns:mc="http://schemas.openxmlformats.org/markup-compatibility/2006">
+        <mc:Choice xmlns:a14="http://schemas.microsoft.com/office/drawing/2010/main" Requires="a14">
+          <p:sp>
+            <p:nvSpPr>
+              <p:cNvPr id="22" name="TextBox 21">
+                <a:extLst>
+                  <a:ext uri="{FF2B5EF4-FFF2-40B4-BE49-F238E27FC236}">
+                    <a16:creationId xmlns:a16="http://schemas.microsoft.com/office/drawing/2014/main" id="{87C3AD30-37B8-4B06-8A6A-DA971F5EFFFD}"/>
+                  </a:ext>
+                </a:extLst>
+              </p:cNvPr>
+              <p:cNvSpPr txBox="1"/>
+              <p:nvPr/>
+            </p:nvSpPr>
+            <p:spPr>
+              <a:xfrm>
+                <a:off x="9979688" y="5577191"/>
+                <a:ext cx="545534" cy="438518"/>
+              </a:xfrm>
+              <a:prstGeom prst="rect">
+                <a:avLst/>
+              </a:prstGeom>
+              <a:noFill/>
+            </p:spPr>
+            <p:txBody>
+              <a:bodyPr wrap="square" rtlCol="0">
+                <a:spAutoFit/>
+              </a:bodyPr>
+              <a:lstStyle/>
+              <a:p>
+                <a14:m>
+                  <m:oMathPara xmlns:m="http://schemas.openxmlformats.org/officeDocument/2006/math">
+                    <m:oMathParaPr>
+                      <m:jc m:val="centerGroup"/>
+                    </m:oMathParaPr>
+                    <m:oMath xmlns:m="http://schemas.openxmlformats.org/officeDocument/2006/math">
+                      <m:sSub>
+                        <m:sSubPr>
+                          <m:ctrlPr>
+                            <a:rPr lang="en-US" sz="2000" smtClean="0">
+                              <a:latin typeface="Cambria Math" panose="02040503050406030204" pitchFamily="18" charset="0"/>
+                            </a:rPr>
+                          </m:ctrlPr>
+                        </m:sSubPr>
+                        <m:e>
+                          <m:r>
+                            <m:rPr>
+                              <m:sty m:val="p"/>
+                            </m:rPr>
+                            <a:rPr lang="en-CA" sz="2000" b="0" i="0" smtClean="0">
+                              <a:latin typeface="Cambria Math" panose="02040503050406030204" pitchFamily="18" charset="0"/>
+                            </a:rPr>
+                            <m:t>E</m:t>
+                          </m:r>
+                        </m:e>
+                        <m:sub>
+                          <m:sSub>
+                            <m:sSubPr>
+                              <m:ctrlPr>
+                                <a:rPr lang="en-US" sz="2000" smtClean="0">
+                                  <a:latin typeface="Cambria Math" panose="02040503050406030204" pitchFamily="18" charset="0"/>
+                                </a:rPr>
+                              </m:ctrlPr>
+                            </m:sSubPr>
+                            <m:e>
+                              <m:r>
+                                <m:rPr>
+                                  <m:sty m:val="p"/>
+                                </m:rPr>
+                                <a:rPr lang="en-CA" sz="2000" b="0" i="0" smtClean="0">
+                                  <a:latin typeface="Cambria Math" panose="02040503050406030204" pitchFamily="18" charset="0"/>
+                                </a:rPr>
+                                <m:t>c</m:t>
+                              </m:r>
+                              <m:r>
+                                <a:rPr lang="en-CA" sz="2000" b="0" i="0" smtClean="0">
+                                  <a:latin typeface="Cambria Math" panose="02040503050406030204" pitchFamily="18" charset="0"/>
+                                </a:rPr>
+                                <m:t>2</m:t>
+                              </m:r>
+                            </m:e>
+                            <m:sub>
+                              <m:r>
+                                <m:rPr>
+                                  <m:sty m:val="p"/>
+                                </m:rPr>
+                                <a:rPr lang="en-CA" sz="2000" b="0" i="0" smtClean="0">
+                                  <a:latin typeface="Cambria Math" panose="02040503050406030204" pitchFamily="18" charset="0"/>
+                                </a:rPr>
+                                <m:t>b</m:t>
+                              </m:r>
+                            </m:sub>
+                          </m:sSub>
+                        </m:sub>
+                      </m:sSub>
+                    </m:oMath>
+                  </m:oMathPara>
+                </a14:m>
+                <a:endParaRPr lang="en-US" sz="2000" dirty="0"/>
+              </a:p>
+            </p:txBody>
+          </p:sp>
+        </mc:Choice>
+        <mc:Fallback>
+          <p:sp>
+            <p:nvSpPr>
+              <p:cNvPr id="22" name="TextBox 21">
+                <a:extLst>
+                  <a:ext uri="{FF2B5EF4-FFF2-40B4-BE49-F238E27FC236}">
+                    <a16:creationId xmlns:a16="http://schemas.microsoft.com/office/drawing/2014/main" id="{87C3AD30-37B8-4B06-8A6A-DA971F5EFFFD}"/>
+                  </a:ext>
+                </a:extLst>
+              </p:cNvPr>
+              <p:cNvSpPr txBox="1">
+                <a:spLocks noRot="1" noChangeAspect="1" noMove="1" noResize="1" noEditPoints="1" noAdjustHandles="1" noChangeArrowheads="1" noChangeShapeType="1" noTextEdit="1"/>
+              </p:cNvSpPr>
+              <p:nvPr/>
+            </p:nvSpPr>
+            <p:spPr>
+              <a:xfrm>
+                <a:off x="9979688" y="5577191"/>
+                <a:ext cx="545534" cy="438518"/>
+              </a:xfrm>
+              <a:prstGeom prst="rect">
+                <a:avLst/>
+              </a:prstGeom>
+              <a:blipFill>
+                <a:blip r:embed="rId15"/>
+                <a:stretch>
+                  <a:fillRect r="-11364"/>
+                </a:stretch>
+              </a:blipFill>
+            </p:spPr>
+            <p:txBody>
+              <a:bodyPr/>
+              <a:lstStyle/>
+              <a:p>
+                <a:r>
+                  <a:rPr lang="en-US">
+                    <a:noFill/>
+                  </a:rPr>
+                  <a:t> </a:t>
+                </a:r>
+              </a:p>
+            </p:txBody>
+          </p:sp>
+        </mc:Fallback>
+      </mc:AlternateContent>
     </p:spTree>
     <p:extLst>
       <p:ext uri="{BB962C8B-B14F-4D97-AF65-F5344CB8AC3E}">
@@ -6978,7 +7269,7 @@
           <p:nvPr/>
         </p:nvPicPr>
         <p:blipFill>
-          <a:blip r:embed="rId2"/>
+          <a:blip r:embed="rId3"/>
           <a:srcRect l="1747" r="1747"/>
           <a:stretch/>
         </p:blipFill>
@@ -7007,8 +7298,8 @@
           <p:nvPr/>
         </p:nvPicPr>
         <p:blipFill>
-          <a:blip r:embed="rId3"/>
-          <a:srcRect l="12330" r="2952"/>
+          <a:blip r:embed="rId4"/>
+          <a:srcRect l="6869" r="6869"/>
           <a:stretch/>
         </p:blipFill>
         <p:spPr>
@@ -7036,7 +7327,7 @@
           <p:nvPr/>
         </p:nvPicPr>
         <p:blipFill>
-          <a:blip r:embed="rId4"/>
+          <a:blip r:embed="rId5"/>
           <a:srcRect l="8573" t="3098" b="3098"/>
           <a:stretch/>
         </p:blipFill>
@@ -7065,7 +7356,7 @@
           <p:nvPr/>
         </p:nvPicPr>
         <p:blipFill>
-          <a:blip r:embed="rId5"/>
+          <a:blip r:embed="rId6"/>
           <a:stretch>
             <a:fillRect/>
           </a:stretch>
@@ -7095,7 +7386,7 @@
           <p:nvPr/>
         </p:nvPicPr>
         <p:blipFill>
-          <a:blip r:embed="rId6"/>
+          <a:blip r:embed="rId7"/>
           <a:stretch>
             <a:fillRect/>
           </a:stretch>
@@ -7279,10 +7570,10 @@
       </p:cxnSp>
       <p:sp>
         <p:nvSpPr>
-          <p:cNvPr id="24" name="TextBox 23">
-            <a:extLst>
-              <a:ext uri="{FF2B5EF4-FFF2-40B4-BE49-F238E27FC236}">
-                <a16:creationId xmlns:a16="http://schemas.microsoft.com/office/drawing/2014/main" id="{8B58CC43-1310-7F78-A97E-522368F0A44D}"/>
+          <p:cNvPr id="26" name="TextBox 25">
+            <a:extLst>
+              <a:ext uri="{FF2B5EF4-FFF2-40B4-BE49-F238E27FC236}">
+                <a16:creationId xmlns:a16="http://schemas.microsoft.com/office/drawing/2014/main" id="{D54D1E12-0A81-571A-0608-C52A43B3ED76}"/>
               </a:ext>
             </a:extLst>
           </p:cNvPr>
@@ -7291,8 +7582,8 @@
         </p:nvSpPr>
         <p:spPr>
           <a:xfrm>
-            <a:off x="5431893" y="3000358"/>
-            <a:ext cx="588229" cy="276999"/>
+            <a:off x="3275084" y="495827"/>
+            <a:ext cx="4714369" cy="461665"/>
           </a:xfrm>
           <a:prstGeom prst="rect">
             <a:avLst/>
@@ -7306,86 +7597,6 @@
           <a:lstStyle/>
           <a:p>
             <a:r>
-              <a:rPr lang="en-US" sz="1200" dirty="0"/>
-              <a:t>E</a:t>
-            </a:r>
-            <a:r>
-              <a:rPr lang="en-US" sz="1200" baseline="-25000" dirty="0"/>
-              <a:t>rb</a:t>
-            </a:r>
-            <a:endParaRPr lang="en-US" sz="1200" dirty="0"/>
-          </a:p>
-        </p:txBody>
-      </p:sp>
-      <p:sp>
-        <p:nvSpPr>
-          <p:cNvPr id="25" name="TextBox 24">
-            <a:extLst>
-              <a:ext uri="{FF2B5EF4-FFF2-40B4-BE49-F238E27FC236}">
-                <a16:creationId xmlns:a16="http://schemas.microsoft.com/office/drawing/2014/main" id="{48F5BC3B-D7B3-7C57-C47E-C5E27AD97E35}"/>
-              </a:ext>
-            </a:extLst>
-          </p:cNvPr>
-          <p:cNvSpPr txBox="1"/>
-          <p:nvPr/>
-        </p:nvSpPr>
-        <p:spPr>
-          <a:xfrm>
-            <a:off x="5799508" y="3570440"/>
-            <a:ext cx="588229" cy="276999"/>
-          </a:xfrm>
-          <a:prstGeom prst="rect">
-            <a:avLst/>
-          </a:prstGeom>
-          <a:noFill/>
-        </p:spPr>
-        <p:txBody>
-          <a:bodyPr wrap="square" rtlCol="0">
-            <a:spAutoFit/>
-          </a:bodyPr>
-          <a:lstStyle/>
-          <a:p>
-            <a:r>
-              <a:rPr lang="en-US" sz="1200" dirty="0"/>
-              <a:t>E</a:t>
-            </a:r>
-            <a:r>
-              <a:rPr lang="en-US" sz="1200" baseline="-25000" dirty="0"/>
-              <a:t>c2b</a:t>
-            </a:r>
-            <a:endParaRPr lang="en-US" sz="1200" dirty="0"/>
-          </a:p>
-        </p:txBody>
-      </p:sp>
-      <p:sp>
-        <p:nvSpPr>
-          <p:cNvPr id="26" name="TextBox 25">
-            <a:extLst>
-              <a:ext uri="{FF2B5EF4-FFF2-40B4-BE49-F238E27FC236}">
-                <a16:creationId xmlns:a16="http://schemas.microsoft.com/office/drawing/2014/main" id="{D54D1E12-0A81-571A-0608-C52A43B3ED76}"/>
-              </a:ext>
-            </a:extLst>
-          </p:cNvPr>
-          <p:cNvSpPr txBox="1"/>
-          <p:nvPr/>
-        </p:nvSpPr>
-        <p:spPr>
-          <a:xfrm>
-            <a:off x="3275084" y="495827"/>
-            <a:ext cx="4714369" cy="461665"/>
-          </a:xfrm>
-          <a:prstGeom prst="rect">
-            <a:avLst/>
-          </a:prstGeom>
-          <a:noFill/>
-        </p:spPr>
-        <p:txBody>
-          <a:bodyPr wrap="square" rtlCol="0">
-            <a:spAutoFit/>
-          </a:bodyPr>
-          <a:lstStyle/>
-          <a:p>
-            <a:r>
               <a:rPr lang="en-US" sz="2400" dirty="0"/>
               <a:t>Inter-process thermal asymmetry</a:t>
             </a:r>
@@ -7427,6 +7638,296 @@
           </a:p>
         </p:txBody>
       </p:sp>
+      <mc:AlternateContent xmlns:mc="http://schemas.openxmlformats.org/markup-compatibility/2006">
+        <mc:Choice xmlns:a14="http://schemas.microsoft.com/office/drawing/2010/main" Requires="a14">
+          <p:sp>
+            <p:nvSpPr>
+              <p:cNvPr id="2" name="TextBox 1">
+                <a:extLst>
+                  <a:ext uri="{FF2B5EF4-FFF2-40B4-BE49-F238E27FC236}">
+                    <a16:creationId xmlns:a16="http://schemas.microsoft.com/office/drawing/2014/main" id="{5A06FF18-EDCF-E4BB-F020-03B39CE6EFB1}"/>
+                  </a:ext>
+                </a:extLst>
+              </p:cNvPr>
+              <p:cNvSpPr txBox="1"/>
+              <p:nvPr/>
+            </p:nvSpPr>
+            <p:spPr>
+              <a:xfrm>
+                <a:off x="5344224" y="2944027"/>
+                <a:ext cx="545534" cy="294376"/>
+              </a:xfrm>
+              <a:prstGeom prst="rect">
+                <a:avLst/>
+              </a:prstGeom>
+              <a:noFill/>
+            </p:spPr>
+            <p:txBody>
+              <a:bodyPr wrap="square" rtlCol="0">
+                <a:spAutoFit/>
+              </a:bodyPr>
+              <a:lstStyle/>
+              <a:p>
+                <a14:m>
+                  <m:oMathPara xmlns:m="http://schemas.openxmlformats.org/officeDocument/2006/math">
+                    <m:oMathParaPr>
+                      <m:jc m:val="centerGroup"/>
+                    </m:oMathParaPr>
+                    <m:oMath xmlns:m="http://schemas.openxmlformats.org/officeDocument/2006/math">
+                      <m:sSub>
+                        <m:sSubPr>
+                          <m:ctrlPr>
+                            <a:rPr lang="en-US" sz="1200" smtClean="0">
+                              <a:latin typeface="Cambria Math" panose="02040503050406030204" pitchFamily="18" charset="0"/>
+                            </a:rPr>
+                          </m:ctrlPr>
+                        </m:sSubPr>
+                        <m:e>
+                          <m:r>
+                            <m:rPr>
+                              <m:sty m:val="p"/>
+                            </m:rPr>
+                            <a:rPr lang="en-CA" sz="1200" b="0" i="0" smtClean="0">
+                              <a:latin typeface="Cambria Math" panose="02040503050406030204" pitchFamily="18" charset="0"/>
+                            </a:rPr>
+                            <m:t>E</m:t>
+                          </m:r>
+                        </m:e>
+                        <m:sub>
+                          <m:sSub>
+                            <m:sSubPr>
+                              <m:ctrlPr>
+                                <a:rPr lang="en-US" sz="1200" smtClean="0">
+                                  <a:latin typeface="Cambria Math" panose="02040503050406030204" pitchFamily="18" charset="0"/>
+                                </a:rPr>
+                              </m:ctrlPr>
+                            </m:sSubPr>
+                            <m:e>
+                              <m:r>
+                                <m:rPr>
+                                  <m:sty m:val="p"/>
+                                </m:rPr>
+                                <a:rPr lang="en-CA" sz="1200" b="0" i="0" smtClean="0">
+                                  <a:latin typeface="Cambria Math" panose="02040503050406030204" pitchFamily="18" charset="0"/>
+                                </a:rPr>
+                                <m:t>r</m:t>
+                              </m:r>
+                            </m:e>
+                            <m:sub>
+                              <m:r>
+                                <m:rPr>
+                                  <m:sty m:val="p"/>
+                                </m:rPr>
+                                <a:rPr lang="en-CA" sz="1200" b="0" i="0" smtClean="0">
+                                  <a:latin typeface="Cambria Math" panose="02040503050406030204" pitchFamily="18" charset="0"/>
+                                </a:rPr>
+                                <m:t>b</m:t>
+                              </m:r>
+                            </m:sub>
+                          </m:sSub>
+                        </m:sub>
+                      </m:sSub>
+                    </m:oMath>
+                  </m:oMathPara>
+                </a14:m>
+                <a:endParaRPr lang="en-US" sz="1200" dirty="0"/>
+              </a:p>
+            </p:txBody>
+          </p:sp>
+        </mc:Choice>
+        <mc:Fallback>
+          <p:sp>
+            <p:nvSpPr>
+              <p:cNvPr id="2" name="TextBox 1">
+                <a:extLst>
+                  <a:ext uri="{FF2B5EF4-FFF2-40B4-BE49-F238E27FC236}">
+                    <a16:creationId xmlns:a16="http://schemas.microsoft.com/office/drawing/2014/main" id="{5A06FF18-EDCF-E4BB-F020-03B39CE6EFB1}"/>
+                  </a:ext>
+                </a:extLst>
+              </p:cNvPr>
+              <p:cNvSpPr txBox="1">
+                <a:spLocks noRot="1" noChangeAspect="1" noMove="1" noResize="1" noEditPoints="1" noAdjustHandles="1" noChangeArrowheads="1" noChangeShapeType="1" noTextEdit="1"/>
+              </p:cNvSpPr>
+              <p:nvPr/>
+            </p:nvSpPr>
+            <p:spPr>
+              <a:xfrm>
+                <a:off x="5344224" y="2944027"/>
+                <a:ext cx="545534" cy="294376"/>
+              </a:xfrm>
+              <a:prstGeom prst="rect">
+                <a:avLst/>
+              </a:prstGeom>
+              <a:blipFill>
+                <a:blip r:embed="rId8"/>
+                <a:stretch>
+                  <a:fillRect/>
+                </a:stretch>
+              </a:blipFill>
+            </p:spPr>
+            <p:txBody>
+              <a:bodyPr/>
+              <a:lstStyle/>
+              <a:p>
+                <a:r>
+                  <a:rPr lang="en-US">
+                    <a:noFill/>
+                  </a:rPr>
+                  <a:t> </a:t>
+                </a:r>
+              </a:p>
+            </p:txBody>
+          </p:sp>
+        </mc:Fallback>
+      </mc:AlternateContent>
+      <mc:AlternateContent xmlns:mc="http://schemas.openxmlformats.org/markup-compatibility/2006">
+        <mc:Choice xmlns:a14="http://schemas.microsoft.com/office/drawing/2010/main" Requires="a14">
+          <p:sp>
+            <p:nvSpPr>
+              <p:cNvPr id="4" name="TextBox 3">
+                <a:extLst>
+                  <a:ext uri="{FF2B5EF4-FFF2-40B4-BE49-F238E27FC236}">
+                    <a16:creationId xmlns:a16="http://schemas.microsoft.com/office/drawing/2014/main" id="{CB42D2F0-1B73-44A8-75F8-1EE4D7468F68}"/>
+                  </a:ext>
+                </a:extLst>
+              </p:cNvPr>
+              <p:cNvSpPr txBox="1"/>
+              <p:nvPr/>
+            </p:nvSpPr>
+            <p:spPr>
+              <a:xfrm>
+                <a:off x="5719224" y="3618821"/>
+                <a:ext cx="545534" cy="294376"/>
+              </a:xfrm>
+              <a:prstGeom prst="rect">
+                <a:avLst/>
+              </a:prstGeom>
+              <a:noFill/>
+            </p:spPr>
+            <p:txBody>
+              <a:bodyPr wrap="square" rtlCol="0">
+                <a:spAutoFit/>
+              </a:bodyPr>
+              <a:lstStyle/>
+              <a:p>
+                <a14:m>
+                  <m:oMathPara xmlns:m="http://schemas.openxmlformats.org/officeDocument/2006/math">
+                    <m:oMathParaPr>
+                      <m:jc m:val="centerGroup"/>
+                    </m:oMathParaPr>
+                    <m:oMath xmlns:m="http://schemas.openxmlformats.org/officeDocument/2006/math">
+                      <m:sSub>
+                        <m:sSubPr>
+                          <m:ctrlPr>
+                            <a:rPr lang="en-US" sz="1200" smtClean="0">
+                              <a:latin typeface="Cambria Math" panose="02040503050406030204" pitchFamily="18" charset="0"/>
+                            </a:rPr>
+                          </m:ctrlPr>
+                        </m:sSubPr>
+                        <m:e>
+                          <m:r>
+                            <m:rPr>
+                              <m:sty m:val="p"/>
+                            </m:rPr>
+                            <a:rPr lang="en-CA" sz="1200" b="0" i="0" smtClean="0">
+                              <a:latin typeface="Cambria Math" panose="02040503050406030204" pitchFamily="18" charset="0"/>
+                            </a:rPr>
+                            <m:t>E</m:t>
+                          </m:r>
+                        </m:e>
+                        <m:sub>
+                          <m:sSub>
+                            <m:sSubPr>
+                              <m:ctrlPr>
+                                <a:rPr lang="en-US" sz="1200" smtClean="0">
+                                  <a:latin typeface="Cambria Math" panose="02040503050406030204" pitchFamily="18" charset="0"/>
+                                </a:rPr>
+                              </m:ctrlPr>
+                            </m:sSubPr>
+                            <m:e>
+                              <m:r>
+                                <m:rPr>
+                                  <m:sty m:val="p"/>
+                                </m:rPr>
+                                <a:rPr lang="en-CA" sz="1200" b="0" i="0" smtClean="0">
+                                  <a:latin typeface="Cambria Math" panose="02040503050406030204" pitchFamily="18" charset="0"/>
+                                </a:rPr>
+                                <m:t>c</m:t>
+                              </m:r>
+                              <m:r>
+                                <a:rPr lang="en-CA" sz="1200" b="0" i="0" smtClean="0">
+                                  <a:latin typeface="Cambria Math" panose="02040503050406030204" pitchFamily="18" charset="0"/>
+                                </a:rPr>
+                                <m:t>2</m:t>
+                              </m:r>
+                            </m:e>
+                            <m:sub>
+                              <m:r>
+                                <m:rPr>
+                                  <m:sty m:val="p"/>
+                                </m:rPr>
+                                <a:rPr lang="en-CA" sz="1200" b="0" i="0" smtClean="0">
+                                  <a:latin typeface="Cambria Math" panose="02040503050406030204" pitchFamily="18" charset="0"/>
+                                </a:rPr>
+                                <m:t>b</m:t>
+                              </m:r>
+                            </m:sub>
+                          </m:sSub>
+                        </m:sub>
+                      </m:sSub>
+                    </m:oMath>
+                  </m:oMathPara>
+                </a14:m>
+                <a:endParaRPr lang="en-US" sz="1200" dirty="0"/>
+              </a:p>
+            </p:txBody>
+          </p:sp>
+        </mc:Choice>
+        <mc:Fallback>
+          <p:sp>
+            <p:nvSpPr>
+              <p:cNvPr id="4" name="TextBox 3">
+                <a:extLst>
+                  <a:ext uri="{FF2B5EF4-FFF2-40B4-BE49-F238E27FC236}">
+                    <a16:creationId xmlns:a16="http://schemas.microsoft.com/office/drawing/2014/main" id="{CB42D2F0-1B73-44A8-75F8-1EE4D7468F68}"/>
+                  </a:ext>
+                </a:extLst>
+              </p:cNvPr>
+              <p:cNvSpPr txBox="1">
+                <a:spLocks noRot="1" noChangeAspect="1" noMove="1" noResize="1" noEditPoints="1" noAdjustHandles="1" noChangeArrowheads="1" noChangeShapeType="1" noTextEdit="1"/>
+              </p:cNvSpPr>
+              <p:nvPr/>
+            </p:nvSpPr>
+            <p:spPr>
+              <a:xfrm>
+                <a:off x="5719224" y="3618821"/>
+                <a:ext cx="545534" cy="294376"/>
+              </a:xfrm>
+              <a:prstGeom prst="rect">
+                <a:avLst/>
+              </a:prstGeom>
+              <a:blipFill>
+                <a:blip r:embed="rId9"/>
+                <a:stretch>
+                  <a:fillRect/>
+                </a:stretch>
+              </a:blipFill>
+            </p:spPr>
+            <p:txBody>
+              <a:bodyPr/>
+              <a:lstStyle/>
+              <a:p>
+                <a:r>
+                  <a:rPr lang="en-US">
+                    <a:noFill/>
+                  </a:rPr>
+                  <a:t> </a:t>
+                </a:r>
+              </a:p>
+            </p:txBody>
+          </p:sp>
+        </mc:Fallback>
+      </mc:AlternateContent>
     </p:spTree>
     <p:extLst>
       <p:ext uri="{BB962C8B-B14F-4D97-AF65-F5344CB8AC3E}">
@@ -8564,46 +9065,6 @@
           </a:fontRef>
         </p:style>
       </p:cxnSp>
-      <p:sp>
-        <p:nvSpPr>
-          <p:cNvPr id="17" name="TextBox 16">
-            <a:extLst>
-              <a:ext uri="{FF2B5EF4-FFF2-40B4-BE49-F238E27FC236}">
-                <a16:creationId xmlns:a16="http://schemas.microsoft.com/office/drawing/2014/main" id="{3BE2E600-C8DE-E182-BB61-4697218B3C94}"/>
-              </a:ext>
-            </a:extLst>
-          </p:cNvPr>
-          <p:cNvSpPr txBox="1"/>
-          <p:nvPr/>
-        </p:nvSpPr>
-        <p:spPr>
-          <a:xfrm>
-            <a:off x="8515507" y="5401672"/>
-            <a:ext cx="545534" cy="461665"/>
-          </a:xfrm>
-          <a:prstGeom prst="rect">
-            <a:avLst/>
-          </a:prstGeom>
-          <a:noFill/>
-        </p:spPr>
-        <p:txBody>
-          <a:bodyPr wrap="square" rtlCol="0">
-            <a:spAutoFit/>
-          </a:bodyPr>
-          <a:lstStyle/>
-          <a:p>
-            <a:r>
-              <a:rPr lang="en-US" sz="2400" dirty="0"/>
-              <a:t>E</a:t>
-            </a:r>
-            <a:r>
-              <a:rPr lang="en-US" sz="2400" baseline="-25000" dirty="0"/>
-              <a:t>ra</a:t>
-            </a:r>
-            <a:endParaRPr lang="en-US" sz="2400" dirty="0"/>
-          </a:p>
-        </p:txBody>
-      </p:sp>
       <p:cxnSp>
         <p:nvCxnSpPr>
           <p:cNvPr id="21" name="Straight Connector 20">
@@ -8648,46 +9109,148 @@
           </a:fontRef>
         </p:style>
       </p:cxnSp>
-      <p:sp>
-        <p:nvSpPr>
-          <p:cNvPr id="23" name="TextBox 22">
-            <a:extLst>
-              <a:ext uri="{FF2B5EF4-FFF2-40B4-BE49-F238E27FC236}">
-                <a16:creationId xmlns:a16="http://schemas.microsoft.com/office/drawing/2014/main" id="{54FF724B-2E7B-DCD8-BBE5-E24A87E61FBD}"/>
-              </a:ext>
-            </a:extLst>
-          </p:cNvPr>
-          <p:cNvSpPr txBox="1"/>
-          <p:nvPr/>
-        </p:nvSpPr>
-        <p:spPr>
-          <a:xfrm>
-            <a:off x="9395929" y="5417714"/>
-            <a:ext cx="545534" cy="461665"/>
-          </a:xfrm>
-          <a:prstGeom prst="rect">
-            <a:avLst/>
-          </a:prstGeom>
-          <a:noFill/>
-        </p:spPr>
-        <p:txBody>
-          <a:bodyPr wrap="square" rtlCol="0">
-            <a:spAutoFit/>
-          </a:bodyPr>
-          <a:lstStyle/>
-          <a:p>
-            <a:r>
-              <a:rPr lang="en-US" sz="2400" dirty="0"/>
-              <a:t>E</a:t>
-            </a:r>
-            <a:r>
-              <a:rPr lang="en-US" sz="2400" baseline="-25000" dirty="0"/>
-              <a:t>rb</a:t>
-            </a:r>
-            <a:endParaRPr lang="en-US" sz="2400" dirty="0"/>
-          </a:p>
-        </p:txBody>
-      </p:sp>
+      <mc:AlternateContent xmlns:mc="http://schemas.openxmlformats.org/markup-compatibility/2006">
+        <mc:Choice xmlns:a14="http://schemas.microsoft.com/office/drawing/2010/main" Requires="a14">
+          <p:sp>
+            <p:nvSpPr>
+              <p:cNvPr id="23" name="TextBox 22">
+                <a:extLst>
+                  <a:ext uri="{FF2B5EF4-FFF2-40B4-BE49-F238E27FC236}">
+                    <a16:creationId xmlns:a16="http://schemas.microsoft.com/office/drawing/2014/main" id="{54FF724B-2E7B-DCD8-BBE5-E24A87E61FBD}"/>
+                  </a:ext>
+                </a:extLst>
+              </p:cNvPr>
+              <p:cNvSpPr txBox="1"/>
+              <p:nvPr/>
+            </p:nvSpPr>
+            <p:spPr>
+              <a:xfrm>
+                <a:off x="9395929" y="5417714"/>
+                <a:ext cx="545534" cy="428066"/>
+              </a:xfrm>
+              <a:prstGeom prst="rect">
+                <a:avLst/>
+              </a:prstGeom>
+              <a:noFill/>
+            </p:spPr>
+            <p:txBody>
+              <a:bodyPr wrap="square" rtlCol="0">
+                <a:spAutoFit/>
+              </a:bodyPr>
+              <a:lstStyle/>
+              <a:p>
+                <a14:m>
+                  <m:oMathPara xmlns:m="http://schemas.openxmlformats.org/officeDocument/2006/math">
+                    <m:oMathParaPr>
+                      <m:jc m:val="centerGroup"/>
+                    </m:oMathParaPr>
+                    <m:oMath xmlns:m="http://schemas.openxmlformats.org/officeDocument/2006/math">
+                      <m:sSub>
+                        <m:sSubPr>
+                          <m:ctrlPr>
+                            <a:rPr lang="en-US" sz="2000" smtClean="0">
+                              <a:latin typeface="Cambria Math" panose="02040503050406030204" pitchFamily="18" charset="0"/>
+                            </a:rPr>
+                          </m:ctrlPr>
+                        </m:sSubPr>
+                        <m:e>
+                          <m:r>
+                            <m:rPr>
+                              <m:sty m:val="p"/>
+                            </m:rPr>
+                            <a:rPr lang="en-CA" sz="2000" b="0" i="0" smtClean="0">
+                              <a:latin typeface="Cambria Math" panose="02040503050406030204" pitchFamily="18" charset="0"/>
+                            </a:rPr>
+                            <m:t>E</m:t>
+                          </m:r>
+                        </m:e>
+                        <m:sub>
+                          <m:sSub>
+                            <m:sSubPr>
+                              <m:ctrlPr>
+                                <a:rPr lang="en-US" sz="2000" smtClean="0">
+                                  <a:latin typeface="Cambria Math" panose="02040503050406030204" pitchFamily="18" charset="0"/>
+                                </a:rPr>
+                              </m:ctrlPr>
+                            </m:sSubPr>
+                            <m:e>
+                              <m:r>
+                                <m:rPr>
+                                  <m:sty m:val="p"/>
+                                </m:rPr>
+                                <a:rPr lang="en-CA" sz="2000" b="0" i="0" smtClean="0">
+                                  <a:latin typeface="Cambria Math" panose="02040503050406030204" pitchFamily="18" charset="0"/>
+                                </a:rPr>
+                                <m:t>r</m:t>
+                              </m:r>
+                            </m:e>
+                            <m:sub>
+                              <m:r>
+                                <m:rPr>
+                                  <m:sty m:val="p"/>
+                                </m:rPr>
+                                <a:rPr lang="en-CA" sz="2000" b="0" i="0" smtClean="0">
+                                  <a:latin typeface="Cambria Math" panose="02040503050406030204" pitchFamily="18" charset="0"/>
+                                </a:rPr>
+                                <m:t>a</m:t>
+                              </m:r>
+                            </m:sub>
+                          </m:sSub>
+                        </m:sub>
+                      </m:sSub>
+                    </m:oMath>
+                  </m:oMathPara>
+                </a14:m>
+                <a:endParaRPr lang="en-US" sz="2000" dirty="0"/>
+              </a:p>
+            </p:txBody>
+          </p:sp>
+        </mc:Choice>
+        <mc:Fallback>
+          <p:sp>
+            <p:nvSpPr>
+              <p:cNvPr id="23" name="TextBox 22">
+                <a:extLst>
+                  <a:ext uri="{FF2B5EF4-FFF2-40B4-BE49-F238E27FC236}">
+                    <a16:creationId xmlns:a16="http://schemas.microsoft.com/office/drawing/2014/main" id="{54FF724B-2E7B-DCD8-BBE5-E24A87E61FBD}"/>
+                  </a:ext>
+                </a:extLst>
+              </p:cNvPr>
+              <p:cNvSpPr txBox="1">
+                <a:spLocks noRot="1" noChangeAspect="1" noMove="1" noResize="1" noEditPoints="1" noAdjustHandles="1" noChangeArrowheads="1" noChangeShapeType="1" noTextEdit="1"/>
+              </p:cNvSpPr>
+              <p:nvPr/>
+            </p:nvSpPr>
+            <p:spPr>
+              <a:xfrm>
+                <a:off x="9395929" y="5417714"/>
+                <a:ext cx="545534" cy="428066"/>
+              </a:xfrm>
+              <a:prstGeom prst="rect">
+                <a:avLst/>
+              </a:prstGeom>
+              <a:blipFill>
+                <a:blip r:embed="rId11"/>
+                <a:stretch>
+                  <a:fillRect/>
+                </a:stretch>
+              </a:blipFill>
+            </p:spPr>
+            <p:txBody>
+              <a:bodyPr/>
+              <a:lstStyle/>
+              <a:p>
+                <a:r>
+                  <a:rPr lang="en-US">
+                    <a:noFill/>
+                  </a:rPr>
+                  <a:t> </a:t>
+                </a:r>
+              </a:p>
+            </p:txBody>
+          </p:sp>
+        </mc:Fallback>
+      </mc:AlternateContent>
       <p:pic>
         <p:nvPicPr>
           <p:cNvPr id="30" name="Picture 29">
@@ -8703,7 +9266,7 @@
           <p:nvPr/>
         </p:nvPicPr>
         <p:blipFill>
-          <a:blip r:embed="rId11"/>
+          <a:blip r:embed="rId12"/>
           <a:stretch>
             <a:fillRect/>
           </a:stretch>
@@ -8793,6 +9356,148 @@
           </a:p>
         </p:txBody>
       </p:sp>
+      <mc:AlternateContent xmlns:mc="http://schemas.openxmlformats.org/markup-compatibility/2006">
+        <mc:Choice xmlns:a14="http://schemas.microsoft.com/office/drawing/2010/main" Requires="a14">
+          <p:sp>
+            <p:nvSpPr>
+              <p:cNvPr id="15" name="TextBox 14">
+                <a:extLst>
+                  <a:ext uri="{FF2B5EF4-FFF2-40B4-BE49-F238E27FC236}">
+                    <a16:creationId xmlns:a16="http://schemas.microsoft.com/office/drawing/2014/main" id="{3F684A82-1614-F08A-8B20-1B9D115E23DB}"/>
+                  </a:ext>
+                </a:extLst>
+              </p:cNvPr>
+              <p:cNvSpPr txBox="1"/>
+              <p:nvPr/>
+            </p:nvSpPr>
+            <p:spPr>
+              <a:xfrm>
+                <a:off x="8567551" y="5421178"/>
+                <a:ext cx="545534" cy="438518"/>
+              </a:xfrm>
+              <a:prstGeom prst="rect">
+                <a:avLst/>
+              </a:prstGeom>
+              <a:noFill/>
+            </p:spPr>
+            <p:txBody>
+              <a:bodyPr wrap="square" rtlCol="0">
+                <a:spAutoFit/>
+              </a:bodyPr>
+              <a:lstStyle/>
+              <a:p>
+                <a14:m>
+                  <m:oMathPara xmlns:m="http://schemas.openxmlformats.org/officeDocument/2006/math">
+                    <m:oMathParaPr>
+                      <m:jc m:val="centerGroup"/>
+                    </m:oMathParaPr>
+                    <m:oMath xmlns:m="http://schemas.openxmlformats.org/officeDocument/2006/math">
+                      <m:sSub>
+                        <m:sSubPr>
+                          <m:ctrlPr>
+                            <a:rPr lang="en-US" sz="2000" smtClean="0">
+                              <a:latin typeface="Cambria Math" panose="02040503050406030204" pitchFamily="18" charset="0"/>
+                            </a:rPr>
+                          </m:ctrlPr>
+                        </m:sSubPr>
+                        <m:e>
+                          <m:r>
+                            <m:rPr>
+                              <m:sty m:val="p"/>
+                            </m:rPr>
+                            <a:rPr lang="en-CA" sz="2000" b="0" i="0" smtClean="0">
+                              <a:latin typeface="Cambria Math" panose="02040503050406030204" pitchFamily="18" charset="0"/>
+                            </a:rPr>
+                            <m:t>E</m:t>
+                          </m:r>
+                        </m:e>
+                        <m:sub>
+                          <m:sSub>
+                            <m:sSubPr>
+                              <m:ctrlPr>
+                                <a:rPr lang="en-US" sz="2000" smtClean="0">
+                                  <a:latin typeface="Cambria Math" panose="02040503050406030204" pitchFamily="18" charset="0"/>
+                                </a:rPr>
+                              </m:ctrlPr>
+                            </m:sSubPr>
+                            <m:e>
+                              <m:r>
+                                <m:rPr>
+                                  <m:sty m:val="p"/>
+                                </m:rPr>
+                                <a:rPr lang="en-CA" sz="2000" b="0" i="0" smtClean="0">
+                                  <a:latin typeface="Cambria Math" panose="02040503050406030204" pitchFamily="18" charset="0"/>
+                                </a:rPr>
+                                <m:t>r</m:t>
+                              </m:r>
+                            </m:e>
+                            <m:sub>
+                              <m:r>
+                                <m:rPr>
+                                  <m:sty m:val="p"/>
+                                </m:rPr>
+                                <a:rPr lang="en-CA" sz="2000" b="0" i="0" smtClean="0">
+                                  <a:latin typeface="Cambria Math" panose="02040503050406030204" pitchFamily="18" charset="0"/>
+                                </a:rPr>
+                                <m:t>b</m:t>
+                              </m:r>
+                            </m:sub>
+                          </m:sSub>
+                        </m:sub>
+                      </m:sSub>
+                    </m:oMath>
+                  </m:oMathPara>
+                </a14:m>
+                <a:endParaRPr lang="en-US" sz="2000" dirty="0"/>
+              </a:p>
+            </p:txBody>
+          </p:sp>
+        </mc:Choice>
+        <mc:Fallback>
+          <p:sp>
+            <p:nvSpPr>
+              <p:cNvPr id="15" name="TextBox 14">
+                <a:extLst>
+                  <a:ext uri="{FF2B5EF4-FFF2-40B4-BE49-F238E27FC236}">
+                    <a16:creationId xmlns:a16="http://schemas.microsoft.com/office/drawing/2014/main" id="{3F684A82-1614-F08A-8B20-1B9D115E23DB}"/>
+                  </a:ext>
+                </a:extLst>
+              </p:cNvPr>
+              <p:cNvSpPr txBox="1">
+                <a:spLocks noRot="1" noChangeAspect="1" noMove="1" noResize="1" noEditPoints="1" noAdjustHandles="1" noChangeArrowheads="1" noChangeShapeType="1" noTextEdit="1"/>
+              </p:cNvSpPr>
+              <p:nvPr/>
+            </p:nvSpPr>
+            <p:spPr>
+              <a:xfrm>
+                <a:off x="8567551" y="5421178"/>
+                <a:ext cx="545534" cy="438518"/>
+              </a:xfrm>
+              <a:prstGeom prst="rect">
+                <a:avLst/>
+              </a:prstGeom>
+              <a:blipFill>
+                <a:blip r:embed="rId13"/>
+                <a:stretch>
+                  <a:fillRect/>
+                </a:stretch>
+              </a:blipFill>
+            </p:spPr>
+            <p:txBody>
+              <a:bodyPr/>
+              <a:lstStyle/>
+              <a:p>
+                <a:r>
+                  <a:rPr lang="en-US">
+                    <a:noFill/>
+                  </a:rPr>
+                  <a:t> </a:t>
+                </a:r>
+              </a:p>
+            </p:txBody>
+          </p:sp>
+        </mc:Fallback>
+      </mc:AlternateContent>
     </p:spTree>
     <p:extLst>
       <p:ext uri="{BB962C8B-B14F-4D97-AF65-F5344CB8AC3E}">
@@ -8839,13 +9544,13 @@
         </p:nvPicPr>
         <p:blipFill>
           <a:blip r:embed="rId2"/>
-          <a:srcRect l="1850" r="3796"/>
+          <a:srcRect l="2125" r="2125"/>
           <a:stretch/>
         </p:blipFill>
         <p:spPr>
           <a:xfrm>
-            <a:off x="157164" y="1499919"/>
-            <a:ext cx="4260056" cy="3391344"/>
+            <a:off x="157163" y="1499919"/>
+            <a:ext cx="4411971" cy="3512280"/>
           </a:xfrm>
           <a:prstGeom prst="rect">
             <a:avLst/>
@@ -8868,13 +9573,13 @@
         </p:nvPicPr>
         <p:blipFill>
           <a:blip r:embed="rId3"/>
-          <a:srcRect l="1900" r="1900"/>
+          <a:srcRect l="3388" r="3388"/>
           <a:stretch/>
         </p:blipFill>
         <p:spPr>
           <a:xfrm>
             <a:off x="8512563" y="1604328"/>
-            <a:ext cx="3383345" cy="3589223"/>
+            <a:ext cx="3397539" cy="3604280"/>
           </a:xfrm>
           <a:prstGeom prst="rect">
             <a:avLst/>
@@ -9039,7 +9744,7 @@
             </a:r>
             <a:r>
               <a:rPr lang="en-US" sz="1400" baseline="-25000" dirty="0"/>
-              <a:t>a</a:t>
+              <a:t>b</a:t>
             </a:r>
             <a:endParaRPr lang="en-US" sz="1400" dirty="0"/>
           </a:p>
@@ -9079,7 +9784,7 @@
             </a:r>
             <a:r>
               <a:rPr lang="en-US" sz="1400" baseline="-25000" dirty="0"/>
-              <a:t>b</a:t>
+              <a:t>a</a:t>
             </a:r>
             <a:endParaRPr lang="en-US" sz="1400" dirty="0"/>
           </a:p>
@@ -9129,46 +9834,148 @@
           </a:fontRef>
         </p:style>
       </p:cxnSp>
-      <p:sp>
-        <p:nvSpPr>
-          <p:cNvPr id="19" name="TextBox 18">
-            <a:extLst>
-              <a:ext uri="{FF2B5EF4-FFF2-40B4-BE49-F238E27FC236}">
-                <a16:creationId xmlns:a16="http://schemas.microsoft.com/office/drawing/2014/main" id="{6D07C209-1B60-0389-353E-3AC7CA0959B8}"/>
-              </a:ext>
-            </a:extLst>
-          </p:cNvPr>
-          <p:cNvSpPr txBox="1"/>
-          <p:nvPr/>
-        </p:nvSpPr>
-        <p:spPr>
-          <a:xfrm>
-            <a:off x="5801885" y="3492628"/>
-            <a:ext cx="588229" cy="276999"/>
-          </a:xfrm>
-          <a:prstGeom prst="rect">
-            <a:avLst/>
-          </a:prstGeom>
-          <a:noFill/>
-        </p:spPr>
-        <p:txBody>
-          <a:bodyPr wrap="square" rtlCol="0">
-            <a:spAutoFit/>
-          </a:bodyPr>
-          <a:lstStyle/>
-          <a:p>
-            <a:r>
-              <a:rPr lang="en-US" sz="1200" dirty="0"/>
-              <a:t>E</a:t>
-            </a:r>
-            <a:r>
-              <a:rPr lang="en-US" sz="1200" baseline="-25000" dirty="0"/>
-              <a:t>rb</a:t>
-            </a:r>
-            <a:endParaRPr lang="en-US" sz="1200" dirty="0"/>
-          </a:p>
-        </p:txBody>
-      </p:sp>
+      <mc:AlternateContent xmlns:mc="http://schemas.openxmlformats.org/markup-compatibility/2006">
+        <mc:Choice xmlns:a14="http://schemas.microsoft.com/office/drawing/2010/main" Requires="a14">
+          <p:sp>
+            <p:nvSpPr>
+              <p:cNvPr id="19" name="TextBox 18">
+                <a:extLst>
+                  <a:ext uri="{FF2B5EF4-FFF2-40B4-BE49-F238E27FC236}">
+                    <a16:creationId xmlns:a16="http://schemas.microsoft.com/office/drawing/2014/main" id="{6D07C209-1B60-0389-353E-3AC7CA0959B8}"/>
+                  </a:ext>
+                </a:extLst>
+              </p:cNvPr>
+              <p:cNvSpPr txBox="1"/>
+              <p:nvPr/>
+            </p:nvSpPr>
+            <p:spPr>
+              <a:xfrm>
+                <a:off x="5801885" y="3492628"/>
+                <a:ext cx="588229" cy="300210"/>
+              </a:xfrm>
+              <a:prstGeom prst="rect">
+                <a:avLst/>
+              </a:prstGeom>
+              <a:noFill/>
+            </p:spPr>
+            <p:txBody>
+              <a:bodyPr wrap="square" rtlCol="0">
+                <a:spAutoFit/>
+              </a:bodyPr>
+              <a:lstStyle/>
+              <a:p>
+                <a14:m>
+                  <m:oMathPara xmlns:m="http://schemas.openxmlformats.org/officeDocument/2006/math">
+                    <m:oMathParaPr>
+                      <m:jc m:val="centerGroup"/>
+                    </m:oMathParaPr>
+                    <m:oMath xmlns:m="http://schemas.openxmlformats.org/officeDocument/2006/math">
+                      <m:sSub>
+                        <m:sSubPr>
+                          <m:ctrlPr>
+                            <a:rPr lang="en-US" sz="1200" smtClean="0">
+                              <a:latin typeface="Cambria Math" panose="02040503050406030204" pitchFamily="18" charset="0"/>
+                            </a:rPr>
+                          </m:ctrlPr>
+                        </m:sSubPr>
+                        <m:e>
+                          <m:r>
+                            <m:rPr>
+                              <m:sty m:val="p"/>
+                            </m:rPr>
+                            <a:rPr lang="en-CA" sz="1200" b="0" i="0" smtClean="0">
+                              <a:latin typeface="Cambria Math" panose="02040503050406030204" pitchFamily="18" charset="0"/>
+                            </a:rPr>
+                            <m:t>E</m:t>
+                          </m:r>
+                        </m:e>
+                        <m:sub>
+                          <m:sSub>
+                            <m:sSubPr>
+                              <m:ctrlPr>
+                                <a:rPr lang="en-US" sz="1200" smtClean="0">
+                                  <a:latin typeface="Cambria Math" panose="02040503050406030204" pitchFamily="18" charset="0"/>
+                                </a:rPr>
+                              </m:ctrlPr>
+                            </m:sSubPr>
+                            <m:e>
+                              <m:r>
+                                <m:rPr>
+                                  <m:sty m:val="p"/>
+                                </m:rPr>
+                                <a:rPr lang="en-CA" sz="1200" b="0" i="0" smtClean="0">
+                                  <a:latin typeface="Cambria Math" panose="02040503050406030204" pitchFamily="18" charset="0"/>
+                                </a:rPr>
+                                <m:t>r</m:t>
+                              </m:r>
+                            </m:e>
+                            <m:sub>
+                              <m:r>
+                                <m:rPr>
+                                  <m:sty m:val="p"/>
+                                </m:rPr>
+                                <a:rPr lang="en-CA" sz="1200" b="0" i="0" smtClean="0">
+                                  <a:latin typeface="Cambria Math" panose="02040503050406030204" pitchFamily="18" charset="0"/>
+                                </a:rPr>
+                                <m:t>a</m:t>
+                              </m:r>
+                            </m:sub>
+                          </m:sSub>
+                        </m:sub>
+                      </m:sSub>
+                    </m:oMath>
+                  </m:oMathPara>
+                </a14:m>
+                <a:endParaRPr lang="en-US" sz="1200" dirty="0"/>
+              </a:p>
+            </p:txBody>
+          </p:sp>
+        </mc:Choice>
+        <mc:Fallback>
+          <p:sp>
+            <p:nvSpPr>
+              <p:cNvPr id="19" name="TextBox 18">
+                <a:extLst>
+                  <a:ext uri="{FF2B5EF4-FFF2-40B4-BE49-F238E27FC236}">
+                    <a16:creationId xmlns:a16="http://schemas.microsoft.com/office/drawing/2014/main" id="{6D07C209-1B60-0389-353E-3AC7CA0959B8}"/>
+                  </a:ext>
+                </a:extLst>
+              </p:cNvPr>
+              <p:cNvSpPr txBox="1">
+                <a:spLocks noRot="1" noChangeAspect="1" noMove="1" noResize="1" noEditPoints="1" noAdjustHandles="1" noChangeArrowheads="1" noChangeShapeType="1" noTextEdit="1"/>
+              </p:cNvSpPr>
+              <p:nvPr/>
+            </p:nvSpPr>
+            <p:spPr>
+              <a:xfrm>
+                <a:off x="5801885" y="3492628"/>
+                <a:ext cx="588229" cy="300210"/>
+              </a:xfrm>
+              <a:prstGeom prst="rect">
+                <a:avLst/>
+              </a:prstGeom>
+              <a:blipFill>
+                <a:blip r:embed="rId7"/>
+                <a:stretch>
+                  <a:fillRect/>
+                </a:stretch>
+              </a:blipFill>
+            </p:spPr>
+            <p:txBody>
+              <a:bodyPr/>
+              <a:lstStyle/>
+              <a:p>
+                <a:r>
+                  <a:rPr lang="en-US">
+                    <a:noFill/>
+                  </a:rPr>
+                  <a:t> </a:t>
+                </a:r>
+              </a:p>
+            </p:txBody>
+          </p:sp>
+        </mc:Fallback>
+      </mc:AlternateContent>
       <p:cxnSp>
         <p:nvCxnSpPr>
           <p:cNvPr id="21" name="Straight Arrow Connector 20">
@@ -9213,1100 +10020,152 @@
           </a:fontRef>
         </p:style>
       </p:cxnSp>
-      <p:sp>
-        <p:nvSpPr>
-          <p:cNvPr id="23" name="TextBox 22">
-            <a:extLst>
-              <a:ext uri="{FF2B5EF4-FFF2-40B4-BE49-F238E27FC236}">
-                <a16:creationId xmlns:a16="http://schemas.microsoft.com/office/drawing/2014/main" id="{3A951EE5-37DC-DEB2-A846-F3F39C5E38C3}"/>
-              </a:ext>
-            </a:extLst>
-          </p:cNvPr>
-          <p:cNvSpPr txBox="1"/>
-          <p:nvPr/>
-        </p:nvSpPr>
-        <p:spPr>
-          <a:xfrm>
-            <a:off x="5636906" y="2874576"/>
-            <a:ext cx="588229" cy="276999"/>
-          </a:xfrm>
-          <a:prstGeom prst="rect">
-            <a:avLst/>
-          </a:prstGeom>
-          <a:noFill/>
-        </p:spPr>
-        <p:txBody>
-          <a:bodyPr wrap="square" rtlCol="0">
-            <a:spAutoFit/>
-          </a:bodyPr>
-          <a:lstStyle/>
-          <a:p>
-            <a:r>
-              <a:rPr lang="en-US" sz="1200" dirty="0"/>
-              <a:t>E</a:t>
-            </a:r>
-            <a:r>
-              <a:rPr lang="en-US" sz="1200" baseline="-25000" dirty="0"/>
-              <a:t>ra</a:t>
-            </a:r>
-            <a:endParaRPr lang="en-US" sz="1200" dirty="0"/>
-          </a:p>
-        </p:txBody>
-      </p:sp>
+      <mc:AlternateContent xmlns:mc="http://schemas.openxmlformats.org/markup-compatibility/2006">
+        <mc:Choice xmlns:a14="http://schemas.microsoft.com/office/drawing/2010/main" Requires="a14">
+          <p:sp>
+            <p:nvSpPr>
+              <p:cNvPr id="23" name="TextBox 22">
+                <a:extLst>
+                  <a:ext uri="{FF2B5EF4-FFF2-40B4-BE49-F238E27FC236}">
+                    <a16:creationId xmlns:a16="http://schemas.microsoft.com/office/drawing/2014/main" id="{3A951EE5-37DC-DEB2-A846-F3F39C5E38C3}"/>
+                  </a:ext>
+                </a:extLst>
+              </p:cNvPr>
+              <p:cNvSpPr txBox="1"/>
+              <p:nvPr/>
+            </p:nvSpPr>
+            <p:spPr>
+              <a:xfrm>
+                <a:off x="5571993" y="2837449"/>
+                <a:ext cx="588229" cy="300210"/>
+              </a:xfrm>
+              <a:prstGeom prst="rect">
+                <a:avLst/>
+              </a:prstGeom>
+              <a:noFill/>
+            </p:spPr>
+            <p:txBody>
+              <a:bodyPr wrap="square" rtlCol="0">
+                <a:spAutoFit/>
+              </a:bodyPr>
+              <a:lstStyle/>
+              <a:p>
+                <a14:m>
+                  <m:oMathPara xmlns:m="http://schemas.openxmlformats.org/officeDocument/2006/math">
+                    <m:oMathParaPr>
+                      <m:jc m:val="centerGroup"/>
+                    </m:oMathParaPr>
+                    <m:oMath xmlns:m="http://schemas.openxmlformats.org/officeDocument/2006/math">
+                      <m:sSub>
+                        <m:sSubPr>
+                          <m:ctrlPr>
+                            <a:rPr lang="en-US" sz="1200" i="1" smtClean="0">
+                              <a:latin typeface="Cambria Math" panose="02040503050406030204" pitchFamily="18" charset="0"/>
+                            </a:rPr>
+                          </m:ctrlPr>
+                        </m:sSubPr>
+                        <m:e>
+                          <m:r>
+                            <m:rPr>
+                              <m:sty m:val="p"/>
+                            </m:rPr>
+                            <a:rPr lang="en-CA" sz="1200" b="0" i="0" smtClean="0">
+                              <a:latin typeface="Cambria Math" panose="02040503050406030204" pitchFamily="18" charset="0"/>
+                            </a:rPr>
+                            <m:t>E</m:t>
+                          </m:r>
+                        </m:e>
+                        <m:sub>
+                          <m:sSub>
+                            <m:sSubPr>
+                              <m:ctrlPr>
+                                <a:rPr lang="en-US" sz="1200" i="1" smtClean="0">
+                                  <a:latin typeface="Cambria Math" panose="02040503050406030204" pitchFamily="18" charset="0"/>
+                                </a:rPr>
+                              </m:ctrlPr>
+                            </m:sSubPr>
+                            <m:e>
+                              <m:r>
+                                <m:rPr>
+                                  <m:sty m:val="p"/>
+                                </m:rPr>
+                                <a:rPr lang="en-CA" sz="1200" b="0" i="0" smtClean="0">
+                                  <a:latin typeface="Cambria Math" panose="02040503050406030204" pitchFamily="18" charset="0"/>
+                                </a:rPr>
+                                <m:t>r</m:t>
+                              </m:r>
+                            </m:e>
+                            <m:sub>
+                              <m:r>
+                                <m:rPr>
+                                  <m:sty m:val="p"/>
+                                </m:rPr>
+                                <a:rPr lang="en-CA" sz="1200" b="0" i="0" smtClean="0">
+                                  <a:latin typeface="Cambria Math" panose="02040503050406030204" pitchFamily="18" charset="0"/>
+                                </a:rPr>
+                                <m:t>b</m:t>
+                              </m:r>
+                            </m:sub>
+                          </m:sSub>
+                        </m:sub>
+                      </m:sSub>
+                    </m:oMath>
+                  </m:oMathPara>
+                </a14:m>
+                <a:endParaRPr lang="en-US" sz="1200" dirty="0"/>
+              </a:p>
+            </p:txBody>
+          </p:sp>
+        </mc:Choice>
+        <mc:Fallback>
+          <p:sp>
+            <p:nvSpPr>
+              <p:cNvPr id="23" name="TextBox 22">
+                <a:extLst>
+                  <a:ext uri="{FF2B5EF4-FFF2-40B4-BE49-F238E27FC236}">
+                    <a16:creationId xmlns:a16="http://schemas.microsoft.com/office/drawing/2014/main" id="{3A951EE5-37DC-DEB2-A846-F3F39C5E38C3}"/>
+                  </a:ext>
+                </a:extLst>
+              </p:cNvPr>
+              <p:cNvSpPr txBox="1">
+                <a:spLocks noRot="1" noChangeAspect="1" noMove="1" noResize="1" noEditPoints="1" noAdjustHandles="1" noChangeArrowheads="1" noChangeShapeType="1" noTextEdit="1"/>
+              </p:cNvSpPr>
+              <p:nvPr/>
+            </p:nvSpPr>
+            <p:spPr>
+              <a:xfrm>
+                <a:off x="5571993" y="2837449"/>
+                <a:ext cx="588229" cy="300210"/>
+              </a:xfrm>
+              <a:prstGeom prst="rect">
+                <a:avLst/>
+              </a:prstGeom>
+              <a:blipFill>
+                <a:blip r:embed="rId8"/>
+                <a:stretch>
+                  <a:fillRect/>
+                </a:stretch>
+              </a:blipFill>
+            </p:spPr>
+            <p:txBody>
+              <a:bodyPr/>
+              <a:lstStyle/>
+              <a:p>
+                <a:r>
+                  <a:rPr lang="en-US">
+                    <a:noFill/>
+                  </a:rPr>
+                  <a:t> </a:t>
+                </a:r>
+              </a:p>
+            </p:txBody>
+          </p:sp>
+        </mc:Fallback>
+      </mc:AlternateContent>
     </p:spTree>
     <p:extLst>
       <p:ext uri="{BB962C8B-B14F-4D97-AF65-F5344CB8AC3E}">
         <p14:creationId xmlns:p14="http://schemas.microsoft.com/office/powerpoint/2010/main" val="1742207764"/>
-      </p:ext>
-    </p:extLst>
-  </p:cSld>
-  <p:clrMapOvr>
-    <a:masterClrMapping/>
-  </p:clrMapOvr>
-</p:sld>
-</file>
-
-<file path=ppt/slides/slide8.xml><?xml version="1.0" encoding="utf-8"?>
-<p:sld xmlns:a="http://schemas.openxmlformats.org/drawingml/2006/main" xmlns:r="http://schemas.openxmlformats.org/officeDocument/2006/relationships" xmlns:p="http://schemas.openxmlformats.org/presentationml/2006/main">
-  <p:cSld>
-    <p:spTree>
-      <p:nvGrpSpPr>
-        <p:cNvPr id="1" name=""/>
-        <p:cNvGrpSpPr/>
-        <p:nvPr/>
-      </p:nvGrpSpPr>
-      <p:grpSpPr>
-        <a:xfrm>
-          <a:off x="0" y="0"/>
-          <a:ext cx="0" cy="0"/>
-          <a:chOff x="0" y="0"/>
-          <a:chExt cx="0" cy="0"/>
-        </a:xfrm>
-      </p:grpSpPr>
-      <p:sp>
-        <p:nvSpPr>
-          <p:cNvPr id="8" name="Rectangle 7">
-            <a:extLst>
-              <a:ext uri="{FF2B5EF4-FFF2-40B4-BE49-F238E27FC236}">
-                <a16:creationId xmlns:a16="http://schemas.microsoft.com/office/drawing/2014/main" id="{12B968FB-051A-8BB9-D2A6-564E5C1E67B5}"/>
-              </a:ext>
-            </a:extLst>
-          </p:cNvPr>
-          <p:cNvSpPr/>
-          <p:nvPr/>
-        </p:nvSpPr>
-        <p:spPr>
-          <a:xfrm>
-            <a:off x="5629619" y="5288098"/>
-            <a:ext cx="1410159" cy="382836"/>
-          </a:xfrm>
-          <a:prstGeom prst="rect">
-            <a:avLst/>
-          </a:prstGeom>
-          <a:solidFill>
-            <a:schemeClr val="bg1"/>
-          </a:solidFill>
-          <a:ln>
-            <a:noFill/>
-          </a:ln>
-        </p:spPr>
-        <p:style>
-          <a:lnRef idx="2">
-            <a:schemeClr val="accent1">
-              <a:shade val="15000"/>
-            </a:schemeClr>
-          </a:lnRef>
-          <a:fillRef idx="1">
-            <a:schemeClr val="accent1"/>
-          </a:fillRef>
-          <a:effectRef idx="0">
-            <a:schemeClr val="accent1"/>
-          </a:effectRef>
-          <a:fontRef idx="minor">
-            <a:schemeClr val="lt1"/>
-          </a:fontRef>
-        </p:style>
-        <p:txBody>
-          <a:bodyPr rtlCol="0" anchor="ctr"/>
-          <a:lstStyle/>
-          <a:p>
-            <a:pPr algn="ctr"/>
-            <a:endParaRPr lang="en-US"/>
-          </a:p>
-        </p:txBody>
-      </p:sp>
-      <p:pic>
-        <p:nvPicPr>
-          <p:cNvPr id="14" name="Picture 13">
-            <a:extLst>
-              <a:ext uri="{FF2B5EF4-FFF2-40B4-BE49-F238E27FC236}">
-                <a16:creationId xmlns:a16="http://schemas.microsoft.com/office/drawing/2014/main" id="{3A698699-D119-0F63-39E4-6FB504F70999}"/>
-              </a:ext>
-            </a:extLst>
-          </p:cNvPr>
-          <p:cNvPicPr>
-            <a:picLocks noChangeAspect="1"/>
-          </p:cNvPicPr>
-          <p:nvPr/>
-        </p:nvPicPr>
-        <p:blipFill>
-          <a:blip r:embed="rId2"/>
-          <a:srcRect t="4669" b="4669"/>
-          <a:stretch/>
-        </p:blipFill>
-        <p:spPr>
-          <a:xfrm>
-            <a:off x="2438400" y="1143000"/>
-            <a:ext cx="7315200" cy="4145098"/>
-          </a:xfrm>
-          <a:prstGeom prst="rect">
-            <a:avLst/>
-          </a:prstGeom>
-        </p:spPr>
-      </p:pic>
-      <p:sp>
-        <p:nvSpPr>
-          <p:cNvPr id="10" name="TextBox 9">
-            <a:extLst>
-              <a:ext uri="{FF2B5EF4-FFF2-40B4-BE49-F238E27FC236}">
-                <a16:creationId xmlns:a16="http://schemas.microsoft.com/office/drawing/2014/main" id="{C5BC6916-1A0B-E0E5-2DCF-7578FA0A2244}"/>
-              </a:ext>
-            </a:extLst>
-          </p:cNvPr>
-          <p:cNvSpPr txBox="1"/>
-          <p:nvPr/>
-        </p:nvSpPr>
-        <p:spPr>
-          <a:xfrm>
-            <a:off x="7656722" y="1942189"/>
-            <a:ext cx="829935" cy="523220"/>
-          </a:xfrm>
-          <a:prstGeom prst="rect">
-            <a:avLst/>
-          </a:prstGeom>
-          <a:noFill/>
-        </p:spPr>
-        <p:txBody>
-          <a:bodyPr wrap="square" rtlCol="0">
-            <a:spAutoFit/>
-          </a:bodyPr>
-          <a:lstStyle/>
-          <a:p>
-            <a:r>
-              <a:rPr lang="en-US" sz="2800" dirty="0"/>
-              <a:t>N</a:t>
-            </a:r>
-            <a:r>
-              <a:rPr lang="en-US" sz="2800" baseline="-25000" dirty="0"/>
-              <a:t>1</a:t>
-            </a:r>
-          </a:p>
-        </p:txBody>
-      </p:sp>
-      <p:sp>
-        <p:nvSpPr>
-          <p:cNvPr id="11" name="TextBox 10">
-            <a:extLst>
-              <a:ext uri="{FF2B5EF4-FFF2-40B4-BE49-F238E27FC236}">
-                <a16:creationId xmlns:a16="http://schemas.microsoft.com/office/drawing/2014/main" id="{F9A75A65-887D-0DC9-8D6E-79C38E0D5083}"/>
-              </a:ext>
-            </a:extLst>
-          </p:cNvPr>
-          <p:cNvSpPr txBox="1"/>
-          <p:nvPr/>
-        </p:nvSpPr>
-        <p:spPr>
-          <a:xfrm>
-            <a:off x="4439798" y="1942189"/>
-            <a:ext cx="829935" cy="523220"/>
-          </a:xfrm>
-          <a:prstGeom prst="rect">
-            <a:avLst/>
-          </a:prstGeom>
-          <a:noFill/>
-        </p:spPr>
-        <p:txBody>
-          <a:bodyPr wrap="square" rtlCol="0">
-            <a:spAutoFit/>
-          </a:bodyPr>
-          <a:lstStyle/>
-          <a:p>
-            <a:r>
-              <a:rPr lang="en-US" sz="2800" dirty="0">
-                <a:solidFill>
-                  <a:schemeClr val="bg2">
-                    <a:lumMod val="50000"/>
-                  </a:schemeClr>
-                </a:solidFill>
-              </a:rPr>
-              <a:t>N</a:t>
-            </a:r>
-            <a:r>
-              <a:rPr lang="en-US" sz="2800" baseline="-25000" dirty="0">
-                <a:solidFill>
-                  <a:schemeClr val="bg2">
-                    <a:lumMod val="50000"/>
-                  </a:schemeClr>
-                </a:solidFill>
-              </a:rPr>
-              <a:t>2</a:t>
-            </a:r>
-          </a:p>
-        </p:txBody>
-      </p:sp>
-      <p:sp>
-        <p:nvSpPr>
-          <p:cNvPr id="16" name="Rectangle 15">
-            <a:extLst>
-              <a:ext uri="{FF2B5EF4-FFF2-40B4-BE49-F238E27FC236}">
-                <a16:creationId xmlns:a16="http://schemas.microsoft.com/office/drawing/2014/main" id="{FD6E67F3-947B-5167-C2F9-9463A2808D2E}"/>
-              </a:ext>
-            </a:extLst>
-          </p:cNvPr>
-          <p:cNvSpPr/>
-          <p:nvPr/>
-        </p:nvSpPr>
-        <p:spPr>
-          <a:xfrm>
-            <a:off x="5053073" y="4881851"/>
-            <a:ext cx="2603649" cy="385592"/>
-          </a:xfrm>
-          <a:prstGeom prst="rect">
-            <a:avLst/>
-          </a:prstGeom>
-          <a:solidFill>
-            <a:schemeClr val="bg1"/>
-          </a:solidFill>
-          <a:ln>
-            <a:noFill/>
-          </a:ln>
-        </p:spPr>
-        <p:style>
-          <a:lnRef idx="2">
-            <a:schemeClr val="accent1">
-              <a:shade val="15000"/>
-            </a:schemeClr>
-          </a:lnRef>
-          <a:fillRef idx="1">
-            <a:schemeClr val="accent1"/>
-          </a:fillRef>
-          <a:effectRef idx="0">
-            <a:schemeClr val="accent1"/>
-          </a:effectRef>
-          <a:fontRef idx="minor">
-            <a:schemeClr val="lt1"/>
-          </a:fontRef>
-        </p:style>
-        <p:txBody>
-          <a:bodyPr rtlCol="0" anchor="ctr"/>
-          <a:lstStyle/>
-          <a:p>
-            <a:pPr algn="ctr"/>
-            <a:endParaRPr lang="en-US"/>
-          </a:p>
-        </p:txBody>
-      </p:sp>
-      <p:pic>
-        <p:nvPicPr>
-          <p:cNvPr id="17" name="Picture 16">
-            <a:extLst>
-              <a:ext uri="{FF2B5EF4-FFF2-40B4-BE49-F238E27FC236}">
-                <a16:creationId xmlns:a16="http://schemas.microsoft.com/office/drawing/2014/main" id="{361E9060-8701-5BD4-3B33-E25FBA33BC35}"/>
-              </a:ext>
-            </a:extLst>
-          </p:cNvPr>
-          <p:cNvPicPr>
-            <a:picLocks noChangeAspect="1"/>
-          </p:cNvPicPr>
-          <p:nvPr/>
-        </p:nvPicPr>
-        <p:blipFill>
-          <a:blip r:embed="rId3"/>
-          <a:srcRect l="33108" t="86836" r="27586" b="4729"/>
-          <a:stretch/>
-        </p:blipFill>
-        <p:spPr>
-          <a:xfrm>
-            <a:off x="4909393" y="5615470"/>
-            <a:ext cx="2875402" cy="385592"/>
-          </a:xfrm>
-          <a:prstGeom prst="rect">
-            <a:avLst/>
-          </a:prstGeom>
-        </p:spPr>
-      </p:pic>
-      <p:cxnSp>
-        <p:nvCxnSpPr>
-          <p:cNvPr id="21" name="Straight Connector 20">
-            <a:extLst>
-              <a:ext uri="{FF2B5EF4-FFF2-40B4-BE49-F238E27FC236}">
-                <a16:creationId xmlns:a16="http://schemas.microsoft.com/office/drawing/2014/main" id="{4E2E1F08-9890-6DA4-349C-6EAA91715BA7}"/>
-              </a:ext>
-            </a:extLst>
-          </p:cNvPr>
-          <p:cNvCxnSpPr/>
-          <p:nvPr/>
-        </p:nvCxnSpPr>
-        <p:spPr>
-          <a:xfrm>
-            <a:off x="3711763" y="4678728"/>
-            <a:ext cx="1" cy="203123"/>
-          </a:xfrm>
-          <a:prstGeom prst="line">
-            <a:avLst/>
-          </a:prstGeom>
-          <a:ln w="38100">
-            <a:solidFill>
-              <a:schemeClr val="tx1"/>
-            </a:solidFill>
-          </a:ln>
-        </p:spPr>
-        <p:style>
-          <a:lnRef idx="2">
-            <a:schemeClr val="accent1"/>
-          </a:lnRef>
-          <a:fillRef idx="0">
-            <a:schemeClr val="accent1"/>
-          </a:fillRef>
-          <a:effectRef idx="1">
-            <a:schemeClr val="accent1"/>
-          </a:effectRef>
-          <a:fontRef idx="minor">
-            <a:schemeClr val="tx1"/>
-          </a:fontRef>
-        </p:style>
-      </p:cxnSp>
-      <p:sp>
-        <p:nvSpPr>
-          <p:cNvPr id="22" name="TextBox 21">
-            <a:extLst>
-              <a:ext uri="{FF2B5EF4-FFF2-40B4-BE49-F238E27FC236}">
-                <a16:creationId xmlns:a16="http://schemas.microsoft.com/office/drawing/2014/main" id="{1C60EE13-FF9F-01C6-5158-AC916D94E30C}"/>
-              </a:ext>
-            </a:extLst>
-          </p:cNvPr>
-          <p:cNvSpPr txBox="1"/>
-          <p:nvPr/>
-        </p:nvSpPr>
-        <p:spPr>
-          <a:xfrm>
-            <a:off x="5048026" y="4929094"/>
-            <a:ext cx="2783590" cy="369332"/>
-          </a:xfrm>
-          <a:prstGeom prst="rect">
-            <a:avLst/>
-          </a:prstGeom>
-          <a:noFill/>
-        </p:spPr>
-        <p:txBody>
-          <a:bodyPr wrap="square" rtlCol="0">
-            <a:spAutoFit/>
-          </a:bodyPr>
-          <a:lstStyle/>
-          <a:p>
-            <a:pPr algn="ctr"/>
-            <a:r>
-              <a:rPr lang="en-US" dirty="0"/>
-              <a:t>No resource preference</a:t>
-            </a:r>
-            <a:endParaRPr lang="en-US" i="1" dirty="0"/>
-          </a:p>
-        </p:txBody>
-      </p:sp>
-      <p:sp>
-        <p:nvSpPr>
-          <p:cNvPr id="23" name="TextBox 22">
-            <a:extLst>
-              <a:ext uri="{FF2B5EF4-FFF2-40B4-BE49-F238E27FC236}">
-                <a16:creationId xmlns:a16="http://schemas.microsoft.com/office/drawing/2014/main" id="{85325CFB-2756-2900-0451-D59FC859AAEC}"/>
-              </a:ext>
-            </a:extLst>
-          </p:cNvPr>
-          <p:cNvSpPr txBox="1"/>
-          <p:nvPr/>
-        </p:nvSpPr>
-        <p:spPr>
-          <a:xfrm>
-            <a:off x="2962617" y="4895590"/>
-            <a:ext cx="1566239" cy="923330"/>
-          </a:xfrm>
-          <a:prstGeom prst="rect">
-            <a:avLst/>
-          </a:prstGeom>
-          <a:noFill/>
-        </p:spPr>
-        <p:txBody>
-          <a:bodyPr wrap="square" rtlCol="0">
-            <a:spAutoFit/>
-          </a:bodyPr>
-          <a:lstStyle/>
-          <a:p>
-            <a:pPr algn="ctr"/>
-            <a:r>
-              <a:rPr lang="en-US" dirty="0"/>
-              <a:t>100% specialization on resource</a:t>
-            </a:r>
-            <a:r>
-              <a:rPr lang="en-US" i="1" dirty="0"/>
-              <a:t> a</a:t>
-            </a:r>
-          </a:p>
-        </p:txBody>
-      </p:sp>
-      <p:cxnSp>
-        <p:nvCxnSpPr>
-          <p:cNvPr id="26" name="Straight Connector 25">
-            <a:extLst>
-              <a:ext uri="{FF2B5EF4-FFF2-40B4-BE49-F238E27FC236}">
-                <a16:creationId xmlns:a16="http://schemas.microsoft.com/office/drawing/2014/main" id="{2983F318-6967-1CB4-0ADD-33499F14101F}"/>
-              </a:ext>
-            </a:extLst>
-          </p:cNvPr>
-          <p:cNvCxnSpPr/>
-          <p:nvPr/>
-        </p:nvCxnSpPr>
-        <p:spPr>
-          <a:xfrm>
-            <a:off x="9099933" y="4678728"/>
-            <a:ext cx="1" cy="203123"/>
-          </a:xfrm>
-          <a:prstGeom prst="line">
-            <a:avLst/>
-          </a:prstGeom>
-          <a:ln w="38100">
-            <a:solidFill>
-              <a:schemeClr val="tx1"/>
-            </a:solidFill>
-          </a:ln>
-        </p:spPr>
-        <p:style>
-          <a:lnRef idx="2">
-            <a:schemeClr val="accent1"/>
-          </a:lnRef>
-          <a:fillRef idx="0">
-            <a:schemeClr val="accent1"/>
-          </a:fillRef>
-          <a:effectRef idx="1">
-            <a:schemeClr val="accent1"/>
-          </a:effectRef>
-          <a:fontRef idx="minor">
-            <a:schemeClr val="tx1"/>
-          </a:fontRef>
-        </p:style>
-      </p:cxnSp>
-      <p:sp>
-        <p:nvSpPr>
-          <p:cNvPr id="27" name="TextBox 26">
-            <a:extLst>
-              <a:ext uri="{FF2B5EF4-FFF2-40B4-BE49-F238E27FC236}">
-                <a16:creationId xmlns:a16="http://schemas.microsoft.com/office/drawing/2014/main" id="{4DA018AB-A51D-AA62-7CEB-AF0147E1DA42}"/>
-              </a:ext>
-            </a:extLst>
-          </p:cNvPr>
-          <p:cNvSpPr txBox="1"/>
-          <p:nvPr/>
-        </p:nvSpPr>
-        <p:spPr>
-          <a:xfrm>
-            <a:off x="8350787" y="4895590"/>
-            <a:ext cx="1566239" cy="923330"/>
-          </a:xfrm>
-          <a:prstGeom prst="rect">
-            <a:avLst/>
-          </a:prstGeom>
-          <a:noFill/>
-        </p:spPr>
-        <p:txBody>
-          <a:bodyPr wrap="square" rtlCol="0">
-            <a:spAutoFit/>
-          </a:bodyPr>
-          <a:lstStyle/>
-          <a:p>
-            <a:pPr algn="ctr"/>
-            <a:r>
-              <a:rPr lang="en-US" dirty="0"/>
-              <a:t>100% specialization on resource</a:t>
-            </a:r>
-            <a:r>
-              <a:rPr lang="en-US" i="1" dirty="0"/>
-              <a:t> b</a:t>
-            </a:r>
-          </a:p>
-        </p:txBody>
-      </p:sp>
-      <p:cxnSp>
-        <p:nvCxnSpPr>
-          <p:cNvPr id="28" name="Straight Connector 27">
-            <a:extLst>
-              <a:ext uri="{FF2B5EF4-FFF2-40B4-BE49-F238E27FC236}">
-                <a16:creationId xmlns:a16="http://schemas.microsoft.com/office/drawing/2014/main" id="{C8AF9BC5-8ADC-3DB8-93F1-EE1F2AA874E0}"/>
-              </a:ext>
-            </a:extLst>
-          </p:cNvPr>
-          <p:cNvCxnSpPr/>
-          <p:nvPr/>
-        </p:nvCxnSpPr>
-        <p:spPr>
-          <a:xfrm>
-            <a:off x="6347094" y="4678653"/>
-            <a:ext cx="1" cy="203123"/>
-          </a:xfrm>
-          <a:prstGeom prst="line">
-            <a:avLst/>
-          </a:prstGeom>
-          <a:ln w="38100">
-            <a:solidFill>
-              <a:schemeClr val="tx1"/>
-            </a:solidFill>
-          </a:ln>
-        </p:spPr>
-        <p:style>
-          <a:lnRef idx="2">
-            <a:schemeClr val="accent1"/>
-          </a:lnRef>
-          <a:fillRef idx="0">
-            <a:schemeClr val="accent1"/>
-          </a:fillRef>
-          <a:effectRef idx="1">
-            <a:schemeClr val="accent1"/>
-          </a:effectRef>
-          <a:fontRef idx="minor">
-            <a:schemeClr val="tx1"/>
-          </a:fontRef>
-        </p:style>
-      </p:cxnSp>
-    </p:spTree>
-    <p:extLst>
-      <p:ext uri="{BB962C8B-B14F-4D97-AF65-F5344CB8AC3E}">
-        <p14:creationId xmlns:p14="http://schemas.microsoft.com/office/powerpoint/2010/main" val="4129822409"/>
-      </p:ext>
-    </p:extLst>
-  </p:cSld>
-  <p:clrMapOvr>
-    <a:masterClrMapping/>
-  </p:clrMapOvr>
-</p:sld>
-</file>
-
-<file path=ppt/slides/slide9.xml><?xml version="1.0" encoding="utf-8"?>
-<p:sld xmlns:a="http://schemas.openxmlformats.org/drawingml/2006/main" xmlns:r="http://schemas.openxmlformats.org/officeDocument/2006/relationships" xmlns:p="http://schemas.openxmlformats.org/presentationml/2006/main">
-  <p:cSld>
-    <p:spTree>
-      <p:nvGrpSpPr>
-        <p:cNvPr id="1" name="">
-          <a:extLst>
-            <a:ext uri="{FF2B5EF4-FFF2-40B4-BE49-F238E27FC236}">
-              <a16:creationId xmlns:a16="http://schemas.microsoft.com/office/drawing/2014/main" id="{E281B10D-3B0E-2860-401F-6EF061A3B56B}"/>
-            </a:ext>
-          </a:extLst>
-        </p:cNvPr>
-        <p:cNvGrpSpPr/>
-        <p:nvPr/>
-      </p:nvGrpSpPr>
-      <p:grpSpPr>
-        <a:xfrm>
-          <a:off x="0" y="0"/>
-          <a:ext cx="0" cy="0"/>
-          <a:chOff x="0" y="0"/>
-          <a:chExt cx="0" cy="0"/>
-        </a:xfrm>
-      </p:grpSpPr>
-      <p:sp>
-        <p:nvSpPr>
-          <p:cNvPr id="8" name="Rectangle 7">
-            <a:extLst>
-              <a:ext uri="{FF2B5EF4-FFF2-40B4-BE49-F238E27FC236}">
-                <a16:creationId xmlns:a16="http://schemas.microsoft.com/office/drawing/2014/main" id="{30EFA5D9-4527-CB97-96E0-F08BEAB0BF3E}"/>
-              </a:ext>
-            </a:extLst>
-          </p:cNvPr>
-          <p:cNvSpPr/>
-          <p:nvPr/>
-        </p:nvSpPr>
-        <p:spPr>
-          <a:xfrm>
-            <a:off x="5629619" y="5288098"/>
-            <a:ext cx="1410159" cy="382836"/>
-          </a:xfrm>
-          <a:prstGeom prst="rect">
-            <a:avLst/>
-          </a:prstGeom>
-          <a:solidFill>
-            <a:schemeClr val="bg1"/>
-          </a:solidFill>
-          <a:ln>
-            <a:noFill/>
-          </a:ln>
-        </p:spPr>
-        <p:style>
-          <a:lnRef idx="2">
-            <a:schemeClr val="accent1">
-              <a:shade val="15000"/>
-            </a:schemeClr>
-          </a:lnRef>
-          <a:fillRef idx="1">
-            <a:schemeClr val="accent1"/>
-          </a:fillRef>
-          <a:effectRef idx="0">
-            <a:schemeClr val="accent1"/>
-          </a:effectRef>
-          <a:fontRef idx="minor">
-            <a:schemeClr val="lt1"/>
-          </a:fontRef>
-        </p:style>
-        <p:txBody>
-          <a:bodyPr rtlCol="0" anchor="ctr"/>
-          <a:lstStyle/>
-          <a:p>
-            <a:pPr algn="ctr"/>
-            <a:endParaRPr lang="en-US"/>
-          </a:p>
-        </p:txBody>
-      </p:sp>
-      <p:pic>
-        <p:nvPicPr>
-          <p:cNvPr id="14" name="Picture 13">
-            <a:extLst>
-              <a:ext uri="{FF2B5EF4-FFF2-40B4-BE49-F238E27FC236}">
-                <a16:creationId xmlns:a16="http://schemas.microsoft.com/office/drawing/2014/main" id="{7D80687A-4839-19C1-3803-C14EA4407977}"/>
-              </a:ext>
-            </a:extLst>
-          </p:cNvPr>
-          <p:cNvPicPr>
-            <a:picLocks noChangeAspect="1"/>
-          </p:cNvPicPr>
-          <p:nvPr/>
-        </p:nvPicPr>
-        <p:blipFill>
-          <a:blip r:embed="rId2"/>
-          <a:srcRect t="4669" b="4669"/>
-          <a:stretch/>
-        </p:blipFill>
-        <p:spPr>
-          <a:xfrm>
-            <a:off x="2438400" y="1143000"/>
-            <a:ext cx="7315200" cy="4145098"/>
-          </a:xfrm>
-          <a:prstGeom prst="rect">
-            <a:avLst/>
-          </a:prstGeom>
-        </p:spPr>
-      </p:pic>
-      <p:sp>
-        <p:nvSpPr>
-          <p:cNvPr id="10" name="TextBox 9">
-            <a:extLst>
-              <a:ext uri="{FF2B5EF4-FFF2-40B4-BE49-F238E27FC236}">
-                <a16:creationId xmlns:a16="http://schemas.microsoft.com/office/drawing/2014/main" id="{E8B2B7E8-0C8F-DC41-1B40-A090940DA6B9}"/>
-              </a:ext>
-            </a:extLst>
-          </p:cNvPr>
-          <p:cNvSpPr txBox="1"/>
-          <p:nvPr/>
-        </p:nvSpPr>
-        <p:spPr>
-          <a:xfrm>
-            <a:off x="8350787" y="1656052"/>
-            <a:ext cx="829935" cy="523220"/>
-          </a:xfrm>
-          <a:prstGeom prst="rect">
-            <a:avLst/>
-          </a:prstGeom>
-          <a:noFill/>
-        </p:spPr>
-        <p:txBody>
-          <a:bodyPr wrap="square" rtlCol="0">
-            <a:spAutoFit/>
-          </a:bodyPr>
-          <a:lstStyle/>
-          <a:p>
-            <a:r>
-              <a:rPr lang="en-US" sz="2800" dirty="0"/>
-              <a:t>N</a:t>
-            </a:r>
-            <a:r>
-              <a:rPr lang="en-US" sz="2800" baseline="-25000" dirty="0"/>
-              <a:t>1</a:t>
-            </a:r>
-          </a:p>
-        </p:txBody>
-      </p:sp>
-      <p:sp>
-        <p:nvSpPr>
-          <p:cNvPr id="11" name="TextBox 10">
-            <a:extLst>
-              <a:ext uri="{FF2B5EF4-FFF2-40B4-BE49-F238E27FC236}">
-                <a16:creationId xmlns:a16="http://schemas.microsoft.com/office/drawing/2014/main" id="{8651B827-A78B-FFB3-5DA3-AC59B6808ED0}"/>
-              </a:ext>
-            </a:extLst>
-          </p:cNvPr>
-          <p:cNvSpPr txBox="1"/>
-          <p:nvPr/>
-        </p:nvSpPr>
-        <p:spPr>
-          <a:xfrm>
-            <a:off x="4466431" y="3037679"/>
-            <a:ext cx="829935" cy="523220"/>
-          </a:xfrm>
-          <a:prstGeom prst="rect">
-            <a:avLst/>
-          </a:prstGeom>
-          <a:noFill/>
-        </p:spPr>
-        <p:txBody>
-          <a:bodyPr wrap="square" rtlCol="0">
-            <a:spAutoFit/>
-          </a:bodyPr>
-          <a:lstStyle/>
-          <a:p>
-            <a:r>
-              <a:rPr lang="en-US" sz="2800" dirty="0">
-                <a:solidFill>
-                  <a:schemeClr val="bg2">
-                    <a:lumMod val="50000"/>
-                  </a:schemeClr>
-                </a:solidFill>
-              </a:rPr>
-              <a:t>N</a:t>
-            </a:r>
-            <a:r>
-              <a:rPr lang="en-US" sz="2800" baseline="-25000" dirty="0">
-                <a:solidFill>
-                  <a:schemeClr val="bg2">
-                    <a:lumMod val="50000"/>
-                  </a:schemeClr>
-                </a:solidFill>
-              </a:rPr>
-              <a:t>2</a:t>
-            </a:r>
-          </a:p>
-        </p:txBody>
-      </p:sp>
-      <p:sp>
-        <p:nvSpPr>
-          <p:cNvPr id="16" name="Rectangle 15">
-            <a:extLst>
-              <a:ext uri="{FF2B5EF4-FFF2-40B4-BE49-F238E27FC236}">
-                <a16:creationId xmlns:a16="http://schemas.microsoft.com/office/drawing/2014/main" id="{E6EBB173-A33B-B658-10E6-B6E0401D0D6F}"/>
-              </a:ext>
-            </a:extLst>
-          </p:cNvPr>
-          <p:cNvSpPr/>
-          <p:nvPr/>
-        </p:nvSpPr>
-        <p:spPr>
-          <a:xfrm>
-            <a:off x="5053073" y="4881851"/>
-            <a:ext cx="2603649" cy="385592"/>
-          </a:xfrm>
-          <a:prstGeom prst="rect">
-            <a:avLst/>
-          </a:prstGeom>
-          <a:solidFill>
-            <a:schemeClr val="bg1"/>
-          </a:solidFill>
-          <a:ln>
-            <a:noFill/>
-          </a:ln>
-        </p:spPr>
-        <p:style>
-          <a:lnRef idx="2">
-            <a:schemeClr val="accent1">
-              <a:shade val="15000"/>
-            </a:schemeClr>
-          </a:lnRef>
-          <a:fillRef idx="1">
-            <a:schemeClr val="accent1"/>
-          </a:fillRef>
-          <a:effectRef idx="0">
-            <a:schemeClr val="accent1"/>
-          </a:effectRef>
-          <a:fontRef idx="minor">
-            <a:schemeClr val="lt1"/>
-          </a:fontRef>
-        </p:style>
-        <p:txBody>
-          <a:bodyPr rtlCol="0" anchor="ctr"/>
-          <a:lstStyle/>
-          <a:p>
-            <a:pPr algn="ctr"/>
-            <a:endParaRPr lang="en-US"/>
-          </a:p>
-        </p:txBody>
-      </p:sp>
-      <p:pic>
-        <p:nvPicPr>
-          <p:cNvPr id="17" name="Picture 16">
-            <a:extLst>
-              <a:ext uri="{FF2B5EF4-FFF2-40B4-BE49-F238E27FC236}">
-                <a16:creationId xmlns:a16="http://schemas.microsoft.com/office/drawing/2014/main" id="{A182D204-80EF-DE79-0F14-B3595F985984}"/>
-              </a:ext>
-            </a:extLst>
-          </p:cNvPr>
-          <p:cNvPicPr>
-            <a:picLocks noChangeAspect="1"/>
-          </p:cNvPicPr>
-          <p:nvPr/>
-        </p:nvPicPr>
-        <p:blipFill>
-          <a:blip r:embed="rId3"/>
-          <a:srcRect l="33108" t="86836" r="27586" b="4729"/>
-          <a:stretch/>
-        </p:blipFill>
-        <p:spPr>
-          <a:xfrm>
-            <a:off x="4909393" y="5655784"/>
-            <a:ext cx="2875402" cy="385592"/>
-          </a:xfrm>
-          <a:prstGeom prst="rect">
-            <a:avLst/>
-          </a:prstGeom>
-        </p:spPr>
-      </p:pic>
-      <p:cxnSp>
-        <p:nvCxnSpPr>
-          <p:cNvPr id="2" name="Straight Connector 1">
-            <a:extLst>
-              <a:ext uri="{FF2B5EF4-FFF2-40B4-BE49-F238E27FC236}">
-                <a16:creationId xmlns:a16="http://schemas.microsoft.com/office/drawing/2014/main" id="{196F6096-A73B-258C-8677-90A93B9010E5}"/>
-              </a:ext>
-            </a:extLst>
-          </p:cNvPr>
-          <p:cNvCxnSpPr/>
-          <p:nvPr/>
-        </p:nvCxnSpPr>
-        <p:spPr>
-          <a:xfrm>
-            <a:off x="3711763" y="4678728"/>
-            <a:ext cx="1" cy="203123"/>
-          </a:xfrm>
-          <a:prstGeom prst="line">
-            <a:avLst/>
-          </a:prstGeom>
-          <a:ln w="38100">
-            <a:solidFill>
-              <a:schemeClr val="tx1"/>
-            </a:solidFill>
-          </a:ln>
-        </p:spPr>
-        <p:style>
-          <a:lnRef idx="2">
-            <a:schemeClr val="accent1"/>
-          </a:lnRef>
-          <a:fillRef idx="0">
-            <a:schemeClr val="accent1"/>
-          </a:fillRef>
-          <a:effectRef idx="1">
-            <a:schemeClr val="accent1"/>
-          </a:effectRef>
-          <a:fontRef idx="minor">
-            <a:schemeClr val="tx1"/>
-          </a:fontRef>
-        </p:style>
-      </p:cxnSp>
-      <p:sp>
-        <p:nvSpPr>
-          <p:cNvPr id="3" name="TextBox 2">
-            <a:extLst>
-              <a:ext uri="{FF2B5EF4-FFF2-40B4-BE49-F238E27FC236}">
-                <a16:creationId xmlns:a16="http://schemas.microsoft.com/office/drawing/2014/main" id="{B2AF5465-14B2-1BED-571F-CF53B0B21DA6}"/>
-              </a:ext>
-            </a:extLst>
-          </p:cNvPr>
-          <p:cNvSpPr txBox="1"/>
-          <p:nvPr/>
-        </p:nvSpPr>
-        <p:spPr>
-          <a:xfrm>
-            <a:off x="5048026" y="4929094"/>
-            <a:ext cx="2783590" cy="369332"/>
-          </a:xfrm>
-          <a:prstGeom prst="rect">
-            <a:avLst/>
-          </a:prstGeom>
-          <a:noFill/>
-        </p:spPr>
-        <p:txBody>
-          <a:bodyPr wrap="square" rtlCol="0">
-            <a:spAutoFit/>
-          </a:bodyPr>
-          <a:lstStyle/>
-          <a:p>
-            <a:pPr algn="ctr"/>
-            <a:r>
-              <a:rPr lang="en-US" dirty="0"/>
-              <a:t>No resource preference</a:t>
-            </a:r>
-            <a:endParaRPr lang="en-US" i="1" dirty="0"/>
-          </a:p>
-        </p:txBody>
-      </p:sp>
-      <p:sp>
-        <p:nvSpPr>
-          <p:cNvPr id="4" name="TextBox 3">
-            <a:extLst>
-              <a:ext uri="{FF2B5EF4-FFF2-40B4-BE49-F238E27FC236}">
-                <a16:creationId xmlns:a16="http://schemas.microsoft.com/office/drawing/2014/main" id="{D28F4936-9FB3-A465-0E6A-7CEC7E852010}"/>
-              </a:ext>
-            </a:extLst>
-          </p:cNvPr>
-          <p:cNvSpPr txBox="1"/>
-          <p:nvPr/>
-        </p:nvSpPr>
-        <p:spPr>
-          <a:xfrm>
-            <a:off x="2962617" y="4895590"/>
-            <a:ext cx="1566239" cy="923330"/>
-          </a:xfrm>
-          <a:prstGeom prst="rect">
-            <a:avLst/>
-          </a:prstGeom>
-          <a:noFill/>
-        </p:spPr>
-        <p:txBody>
-          <a:bodyPr wrap="square" rtlCol="0">
-            <a:spAutoFit/>
-          </a:bodyPr>
-          <a:lstStyle/>
-          <a:p>
-            <a:pPr algn="ctr"/>
-            <a:r>
-              <a:rPr lang="en-US" dirty="0"/>
-              <a:t>100% specialization on resource</a:t>
-            </a:r>
-            <a:r>
-              <a:rPr lang="en-US" i="1" dirty="0"/>
-              <a:t> a</a:t>
-            </a:r>
-          </a:p>
-        </p:txBody>
-      </p:sp>
-      <p:cxnSp>
-        <p:nvCxnSpPr>
-          <p:cNvPr id="5" name="Straight Connector 4">
-            <a:extLst>
-              <a:ext uri="{FF2B5EF4-FFF2-40B4-BE49-F238E27FC236}">
-                <a16:creationId xmlns:a16="http://schemas.microsoft.com/office/drawing/2014/main" id="{B64B0031-7B84-C754-F2DB-1F1E083603C0}"/>
-              </a:ext>
-            </a:extLst>
-          </p:cNvPr>
-          <p:cNvCxnSpPr/>
-          <p:nvPr/>
-        </p:nvCxnSpPr>
-        <p:spPr>
-          <a:xfrm>
-            <a:off x="9099933" y="4678728"/>
-            <a:ext cx="1" cy="203123"/>
-          </a:xfrm>
-          <a:prstGeom prst="line">
-            <a:avLst/>
-          </a:prstGeom>
-          <a:ln w="38100">
-            <a:solidFill>
-              <a:schemeClr val="tx1"/>
-            </a:solidFill>
-          </a:ln>
-        </p:spPr>
-        <p:style>
-          <a:lnRef idx="2">
-            <a:schemeClr val="accent1"/>
-          </a:lnRef>
-          <a:fillRef idx="0">
-            <a:schemeClr val="accent1"/>
-          </a:fillRef>
-          <a:effectRef idx="1">
-            <a:schemeClr val="accent1"/>
-          </a:effectRef>
-          <a:fontRef idx="minor">
-            <a:schemeClr val="tx1"/>
-          </a:fontRef>
-        </p:style>
-      </p:cxnSp>
-      <p:sp>
-        <p:nvSpPr>
-          <p:cNvPr id="6" name="TextBox 5">
-            <a:extLst>
-              <a:ext uri="{FF2B5EF4-FFF2-40B4-BE49-F238E27FC236}">
-                <a16:creationId xmlns:a16="http://schemas.microsoft.com/office/drawing/2014/main" id="{94E6FF0C-2484-60C9-9D52-6C0C50F47AFF}"/>
-              </a:ext>
-            </a:extLst>
-          </p:cNvPr>
-          <p:cNvSpPr txBox="1"/>
-          <p:nvPr/>
-        </p:nvSpPr>
-        <p:spPr>
-          <a:xfrm>
-            <a:off x="8350787" y="4895590"/>
-            <a:ext cx="1566239" cy="923330"/>
-          </a:xfrm>
-          <a:prstGeom prst="rect">
-            <a:avLst/>
-          </a:prstGeom>
-          <a:noFill/>
-        </p:spPr>
-        <p:txBody>
-          <a:bodyPr wrap="square" rtlCol="0">
-            <a:spAutoFit/>
-          </a:bodyPr>
-          <a:lstStyle/>
-          <a:p>
-            <a:pPr algn="ctr"/>
-            <a:r>
-              <a:rPr lang="en-US" dirty="0"/>
-              <a:t>100% specialization on resource</a:t>
-            </a:r>
-            <a:r>
-              <a:rPr lang="en-US" i="1" dirty="0"/>
-              <a:t> b</a:t>
-            </a:r>
-          </a:p>
-        </p:txBody>
-      </p:sp>
-      <p:cxnSp>
-        <p:nvCxnSpPr>
-          <p:cNvPr id="7" name="Straight Connector 6">
-            <a:extLst>
-              <a:ext uri="{FF2B5EF4-FFF2-40B4-BE49-F238E27FC236}">
-                <a16:creationId xmlns:a16="http://schemas.microsoft.com/office/drawing/2014/main" id="{9FC53212-7D0C-5EAE-43B0-7779F69B4513}"/>
-              </a:ext>
-            </a:extLst>
-          </p:cNvPr>
-          <p:cNvCxnSpPr/>
-          <p:nvPr/>
-        </p:nvCxnSpPr>
-        <p:spPr>
-          <a:xfrm>
-            <a:off x="6347094" y="4678653"/>
-            <a:ext cx="1" cy="203123"/>
-          </a:xfrm>
-          <a:prstGeom prst="line">
-            <a:avLst/>
-          </a:prstGeom>
-          <a:ln w="38100">
-            <a:solidFill>
-              <a:schemeClr val="tx1"/>
-            </a:solidFill>
-          </a:ln>
-        </p:spPr>
-        <p:style>
-          <a:lnRef idx="2">
-            <a:schemeClr val="accent1"/>
-          </a:lnRef>
-          <a:fillRef idx="0">
-            <a:schemeClr val="accent1"/>
-          </a:fillRef>
-          <a:effectRef idx="1">
-            <a:schemeClr val="accent1"/>
-          </a:effectRef>
-          <a:fontRef idx="minor">
-            <a:schemeClr val="tx1"/>
-          </a:fontRef>
-        </p:style>
-      </p:cxnSp>
-    </p:spTree>
-    <p:extLst>
-      <p:ext uri="{BB962C8B-B14F-4D97-AF65-F5344CB8AC3E}">
-        <p14:creationId xmlns:p14="http://schemas.microsoft.com/office/powerpoint/2010/main" val="1228688644"/>
       </p:ext>
     </p:extLst>
   </p:cSld>
